--- a/Apresentação.pptx
+++ b/Apresentação.pptx
@@ -12,6 +12,11 @@
     <p:sldId id="261" r:id="rId6"/>
     <p:sldId id="263" r:id="rId7"/>
     <p:sldId id="262" r:id="rId8"/>
+    <p:sldId id="264" r:id="rId9"/>
+    <p:sldId id="265" r:id="rId10"/>
+    <p:sldId id="266" r:id="rId11"/>
+    <p:sldId id="267" r:id="rId12"/>
+    <p:sldId id="268" r:id="rId13"/>
   </p:sldIdLst>
   <p:sldSz cx="12192000" cy="6858000"/>
   <p:notesSz cx="6858000" cy="9144000"/>
@@ -110,6 +115,31 @@
       </a:defRPr>
     </a:lvl9pPr>
   </p:defaultTextStyle>
+  <p:extLst>
+    <p:ext uri="{521415D9-36F7-43E2-AB2F-B90AF26B5E84}">
+      <p14:sectionLst xmlns:p14="http://schemas.microsoft.com/office/powerpoint/2010/main">
+        <p14:section name="Secção Predefinida" id="{A02B9A71-C0EB-47F7-823B-605F2C9AF6D3}">
+          <p14:sldIdLst>
+            <p14:sldId id="256"/>
+            <p14:sldId id="259"/>
+            <p14:sldId id="257"/>
+            <p14:sldId id="260"/>
+            <p14:sldId id="261"/>
+            <p14:sldId id="263"/>
+            <p14:sldId id="262"/>
+            <p14:sldId id="264"/>
+            <p14:sldId id="265"/>
+            <p14:sldId id="266"/>
+            <p14:sldId id="267"/>
+            <p14:sldId id="268"/>
+          </p14:sldIdLst>
+        </p14:section>
+      </p14:sectionLst>
+    </p:ext>
+    <p:ext uri="{EFAFB233-063F-42B5-8137-9DF3F51BA10A}">
+      <p15:sldGuideLst xmlns:p15="http://schemas.microsoft.com/office/powerpoint/2012/main"/>
+    </p:ext>
+  </p:extLst>
 </p:presentation>
 </file>
 
@@ -835,7 +865,7 @@
           <a:p>
             <a:fld id="{029C572C-5BB1-4D07-A114-FAFBA5C01979}" type="datetimeFigureOut">
               <a:rPr lang="pt-PT" smtClean="0"/>
-              <a:t>17/11/2019</a:t>
+              <a:t>19/11/2019</a:t>
             </a:fld>
             <a:endParaRPr lang="pt-PT"/>
           </a:p>
@@ -1086,7 +1116,7 @@
           <a:p>
             <a:fld id="{029C572C-5BB1-4D07-A114-FAFBA5C01979}" type="datetimeFigureOut">
               <a:rPr lang="pt-PT" smtClean="0"/>
-              <a:t>17/11/2019</a:t>
+              <a:t>19/11/2019</a:t>
             </a:fld>
             <a:endParaRPr lang="pt-PT"/>
           </a:p>
@@ -1400,7 +1430,7 @@
           <a:p>
             <a:fld id="{029C572C-5BB1-4D07-A114-FAFBA5C01979}" type="datetimeFigureOut">
               <a:rPr lang="pt-PT" smtClean="0"/>
-              <a:t>17/11/2019</a:t>
+              <a:t>19/11/2019</a:t>
             </a:fld>
             <a:endParaRPr lang="pt-PT"/>
           </a:p>
@@ -1741,7 +1771,7 @@
           <a:p>
             <a:fld id="{029C572C-5BB1-4D07-A114-FAFBA5C01979}" type="datetimeFigureOut">
               <a:rPr lang="pt-PT" smtClean="0"/>
-              <a:t>17/11/2019</a:t>
+              <a:t>19/11/2019</a:t>
             </a:fld>
             <a:endParaRPr lang="pt-PT"/>
           </a:p>
@@ -2055,7 +2085,7 @@
           <a:p>
             <a:fld id="{029C572C-5BB1-4D07-A114-FAFBA5C01979}" type="datetimeFigureOut">
               <a:rPr lang="pt-PT" smtClean="0"/>
-              <a:t>17/11/2019</a:t>
+              <a:t>19/11/2019</a:t>
             </a:fld>
             <a:endParaRPr lang="pt-PT"/>
           </a:p>
@@ -2448,7 +2478,7 @@
           <a:p>
             <a:fld id="{029C572C-5BB1-4D07-A114-FAFBA5C01979}" type="datetimeFigureOut">
               <a:rPr lang="pt-PT" smtClean="0"/>
-              <a:t>17/11/2019</a:t>
+              <a:t>19/11/2019</a:t>
             </a:fld>
             <a:endParaRPr lang="pt-PT"/>
           </a:p>
@@ -2618,7 +2648,7 @@
           <a:p>
             <a:fld id="{029C572C-5BB1-4D07-A114-FAFBA5C01979}" type="datetimeFigureOut">
               <a:rPr lang="pt-PT" smtClean="0"/>
-              <a:t>17/11/2019</a:t>
+              <a:t>19/11/2019</a:t>
             </a:fld>
             <a:endParaRPr lang="pt-PT"/>
           </a:p>
@@ -2798,7 +2828,7 @@
           <a:p>
             <a:fld id="{029C572C-5BB1-4D07-A114-FAFBA5C01979}" type="datetimeFigureOut">
               <a:rPr lang="pt-PT" smtClean="0"/>
-              <a:t>17/11/2019</a:t>
+              <a:t>19/11/2019</a:t>
             </a:fld>
             <a:endParaRPr lang="pt-PT"/>
           </a:p>
@@ -2974,7 +3004,7 @@
           <a:p>
             <a:fld id="{029C572C-5BB1-4D07-A114-FAFBA5C01979}" type="datetimeFigureOut">
               <a:rPr lang="pt-PT" smtClean="0"/>
-              <a:t>17/11/2019</a:t>
+              <a:t>19/11/2019</a:t>
             </a:fld>
             <a:endParaRPr lang="pt-PT"/>
           </a:p>
@@ -3221,7 +3251,7 @@
           <a:p>
             <a:fld id="{029C572C-5BB1-4D07-A114-FAFBA5C01979}" type="datetimeFigureOut">
               <a:rPr lang="pt-PT" smtClean="0"/>
-              <a:t>17/11/2019</a:t>
+              <a:t>19/11/2019</a:t>
             </a:fld>
             <a:endParaRPr lang="pt-PT"/>
           </a:p>
@@ -3453,7 +3483,7 @@
           <a:p>
             <a:fld id="{029C572C-5BB1-4D07-A114-FAFBA5C01979}" type="datetimeFigureOut">
               <a:rPr lang="pt-PT" smtClean="0"/>
-              <a:t>17/11/2019</a:t>
+              <a:t>19/11/2019</a:t>
             </a:fld>
             <a:endParaRPr lang="pt-PT"/>
           </a:p>
@@ -3827,7 +3857,7 @@
           <a:p>
             <a:fld id="{029C572C-5BB1-4D07-A114-FAFBA5C01979}" type="datetimeFigureOut">
               <a:rPr lang="pt-PT" smtClean="0"/>
-              <a:t>17/11/2019</a:t>
+              <a:t>19/11/2019</a:t>
             </a:fld>
             <a:endParaRPr lang="pt-PT"/>
           </a:p>
@@ -3950,7 +3980,7 @@
           <a:p>
             <a:fld id="{029C572C-5BB1-4D07-A114-FAFBA5C01979}" type="datetimeFigureOut">
               <a:rPr lang="pt-PT" smtClean="0"/>
-              <a:t>17/11/2019</a:t>
+              <a:t>19/11/2019</a:t>
             </a:fld>
             <a:endParaRPr lang="pt-PT"/>
           </a:p>
@@ -4045,7 +4075,7 @@
           <a:p>
             <a:fld id="{029C572C-5BB1-4D07-A114-FAFBA5C01979}" type="datetimeFigureOut">
               <a:rPr lang="pt-PT" smtClean="0"/>
-              <a:t>17/11/2019</a:t>
+              <a:t>19/11/2019</a:t>
             </a:fld>
             <a:endParaRPr lang="pt-PT"/>
           </a:p>
@@ -4300,7 +4330,7 @@
           <a:p>
             <a:fld id="{029C572C-5BB1-4D07-A114-FAFBA5C01979}" type="datetimeFigureOut">
               <a:rPr lang="pt-PT" smtClean="0"/>
-              <a:t>17/11/2019</a:t>
+              <a:t>19/11/2019</a:t>
             </a:fld>
             <a:endParaRPr lang="pt-PT"/>
           </a:p>
@@ -4563,7 +4593,7 @@
           <a:p>
             <a:fld id="{029C572C-5BB1-4D07-A114-FAFBA5C01979}" type="datetimeFigureOut">
               <a:rPr lang="pt-PT" smtClean="0"/>
-              <a:t>17/11/2019</a:t>
+              <a:t>19/11/2019</a:t>
             </a:fld>
             <a:endParaRPr lang="pt-PT"/>
           </a:p>
@@ -5306,7 +5336,7 @@
           <a:p>
             <a:fld id="{029C572C-5BB1-4D07-A114-FAFBA5C01979}" type="datetimeFigureOut">
               <a:rPr lang="pt-PT" smtClean="0"/>
-              <a:t>17/11/2019</a:t>
+              <a:t>19/11/2019</a:t>
             </a:fld>
             <a:endParaRPr lang="pt-PT"/>
           </a:p>
@@ -5848,12 +5878,12 @@
         </p:nvSpPr>
         <p:spPr>
           <a:xfrm>
-            <a:off x="1507067" y="247650"/>
-            <a:ext cx="7766936" cy="3803186"/>
-          </a:xfrm>
-        </p:spPr>
-        <p:txBody>
-          <a:bodyPr>
+            <a:off x="710113" y="247650"/>
+            <a:ext cx="8710724" cy="2436827"/>
+          </a:xfrm>
+        </p:spPr>
+        <p:txBody>
+          <a:bodyPr anchor="t">
             <a:normAutofit fontScale="90000"/>
           </a:bodyPr>
           <a:lstStyle/>
@@ -5894,7 +5924,12 @@
             <p:ph type="subTitle" idx="1"/>
           </p:nvPr>
         </p:nvSpPr>
-        <p:spPr/>
+        <p:spPr>
+          <a:xfrm>
+            <a:off x="1960072" y="3782385"/>
+            <a:ext cx="7766936" cy="1096899"/>
+          </a:xfrm>
+        </p:spPr>
         <p:txBody>
           <a:bodyPr/>
           <a:lstStyle/>
@@ -5931,8 +5966,8 @@
         </p:nvSpPr>
         <p:spPr>
           <a:xfrm>
-            <a:off x="10100345" y="6107185"/>
-            <a:ext cx="1652631" cy="369332"/>
+            <a:off x="6518247" y="4635895"/>
+            <a:ext cx="3208762" cy="369332"/>
           </a:xfrm>
           <a:prstGeom prst="rect">
             <a:avLst/>
@@ -5945,9 +5980,210 @@
           </a:bodyPr>
           <a:lstStyle/>
           <a:p>
+            <a:pPr algn="r"/>
             <a:r>
               <a:rPr lang="pt-PT" dirty="0"/>
               <a:t>Alberto Mões</a:t>
+            </a:r>
+          </a:p>
+        </p:txBody>
+      </p:sp>
+      <p:sp>
+        <p:nvSpPr>
+          <p:cNvPr id="5" name="CaixaDeTexto 4">
+            <a:extLst>
+              <a:ext uri="{FF2B5EF4-FFF2-40B4-BE49-F238E27FC236}">
+                <a16:creationId xmlns:a16="http://schemas.microsoft.com/office/drawing/2014/main" id="{44E4ACFA-D9E7-4CD9-8F25-5870AE2A94C4}"/>
+              </a:ext>
+            </a:extLst>
+          </p:cNvPr>
+          <p:cNvSpPr txBox="1"/>
+          <p:nvPr/>
+        </p:nvSpPr>
+        <p:spPr>
+          <a:xfrm>
+            <a:off x="2239862" y="2835479"/>
+            <a:ext cx="4160938" cy="523220"/>
+          </a:xfrm>
+          <a:prstGeom prst="rect">
+            <a:avLst/>
+          </a:prstGeom>
+          <a:noFill/>
+        </p:spPr>
+        <p:txBody>
+          <a:bodyPr wrap="square" rtlCol="0">
+            <a:spAutoFit/>
+          </a:bodyPr>
+          <a:lstStyle/>
+          <a:p>
+            <a:r>
+              <a:rPr lang="pt-PT" sz="2800" dirty="0" err="1">
+                <a:ln w="0"/>
+                <a:gradFill>
+                  <a:gsLst>
+                    <a:gs pos="0">
+                      <a:schemeClr val="accent5">
+                        <a:lumMod val="50000"/>
+                      </a:schemeClr>
+                    </a:gs>
+                    <a:gs pos="50000">
+                      <a:schemeClr val="accent5"/>
+                    </a:gs>
+                    <a:gs pos="100000">
+                      <a:schemeClr val="accent5">
+                        <a:lumMod val="60000"/>
+                        <a:lumOff val="40000"/>
+                      </a:schemeClr>
+                    </a:gs>
+                  </a:gsLst>
+                  <a:lin ang="5400000"/>
+                </a:gradFill>
+                <a:effectLst>
+                  <a:reflection blurRad="6350" stA="53000" endA="300" endPos="35500" dir="5400000" sy="-90000" algn="bl" rotWithShape="0"/>
+                </a:effectLst>
+              </a:rPr>
+              <a:t>Myclinic</a:t>
+            </a:r>
+            <a:r>
+              <a:rPr lang="pt-PT" dirty="0">
+                <a:ln w="0"/>
+                <a:gradFill>
+                  <a:gsLst>
+                    <a:gs pos="0">
+                      <a:schemeClr val="accent5">
+                        <a:lumMod val="50000"/>
+                      </a:schemeClr>
+                    </a:gs>
+                    <a:gs pos="50000">
+                      <a:schemeClr val="accent5"/>
+                    </a:gs>
+                    <a:gs pos="100000">
+                      <a:schemeClr val="accent5">
+                        <a:lumMod val="60000"/>
+                        <a:lumOff val="40000"/>
+                      </a:schemeClr>
+                    </a:gs>
+                  </a:gsLst>
+                  <a:lin ang="5400000"/>
+                </a:gradFill>
+                <a:effectLst>
+                  <a:reflection blurRad="6350" stA="53000" endA="300" endPos="35500" dir="5400000" sy="-90000" algn="bl" rotWithShape="0"/>
+                </a:effectLst>
+              </a:rPr>
+              <a:t> – Cuidados médicos</a:t>
+            </a:r>
+          </a:p>
+        </p:txBody>
+      </p:sp>
+      <p:pic>
+        <p:nvPicPr>
+          <p:cNvPr id="6" name="Imagem 5">
+            <a:extLst>
+              <a:ext uri="{FF2B5EF4-FFF2-40B4-BE49-F238E27FC236}">
+                <a16:creationId xmlns:a16="http://schemas.microsoft.com/office/drawing/2014/main" id="{0D7589CD-C888-4542-9FBE-5A803C48B1C0}"/>
+              </a:ext>
+            </a:extLst>
+          </p:cNvPr>
+          <p:cNvPicPr/>
+          <p:nvPr/>
+        </p:nvPicPr>
+        <p:blipFill>
+          <a:blip r:embed="rId2">
+            <a:extLst>
+              <a:ext uri="{28A0092B-C50C-407E-A947-70E740481C1C}">
+                <a14:useLocalDpi xmlns:a14="http://schemas.microsoft.com/office/drawing/2010/main" val="0"/>
+              </a:ext>
+            </a:extLst>
+          </a:blip>
+          <a:srcRect/>
+          <a:stretch>
+            <a:fillRect/>
+          </a:stretch>
+        </p:blipFill>
+        <p:spPr bwMode="auto">
+          <a:xfrm>
+            <a:off x="72573" y="6187061"/>
+            <a:ext cx="637540" cy="590550"/>
+          </a:xfrm>
+          <a:prstGeom prst="rect">
+            <a:avLst/>
+          </a:prstGeom>
+          <a:noFill/>
+          <a:ln>
+            <a:noFill/>
+          </a:ln>
+        </p:spPr>
+      </p:pic>
+      <p:pic>
+        <p:nvPicPr>
+          <p:cNvPr id="7" name="Imagem 6" descr="logotipo_ADIV">
+            <a:extLst>
+              <a:ext uri="{FF2B5EF4-FFF2-40B4-BE49-F238E27FC236}">
+                <a16:creationId xmlns:a16="http://schemas.microsoft.com/office/drawing/2014/main" id="{C6A73F62-6B48-4C1D-B577-E5570017893B}"/>
+              </a:ext>
+            </a:extLst>
+          </p:cNvPr>
+          <p:cNvPicPr/>
+          <p:nvPr/>
+        </p:nvPicPr>
+        <p:blipFill>
+          <a:blip r:embed="rId3">
+            <a:extLst>
+              <a:ext uri="{28A0092B-C50C-407E-A947-70E740481C1C}">
+                <a14:useLocalDpi xmlns:a14="http://schemas.microsoft.com/office/drawing/2010/main" val="0"/>
+              </a:ext>
+            </a:extLst>
+          </a:blip>
+          <a:srcRect/>
+          <a:stretch>
+            <a:fillRect/>
+          </a:stretch>
+        </p:blipFill>
+        <p:spPr bwMode="auto">
+          <a:xfrm>
+            <a:off x="834693" y="6211201"/>
+            <a:ext cx="999490" cy="609600"/>
+          </a:xfrm>
+          <a:prstGeom prst="rect">
+            <a:avLst/>
+          </a:prstGeom>
+          <a:noFill/>
+          <a:ln>
+            <a:noFill/>
+          </a:ln>
+        </p:spPr>
+      </p:pic>
+      <p:sp>
+        <p:nvSpPr>
+          <p:cNvPr id="8" name="CaixaDeTexto 7">
+            <a:extLst>
+              <a:ext uri="{FF2B5EF4-FFF2-40B4-BE49-F238E27FC236}">
+                <a16:creationId xmlns:a16="http://schemas.microsoft.com/office/drawing/2014/main" id="{9C3D9F85-48DE-43E4-AB11-CF0E9AE8DD6B}"/>
+              </a:ext>
+            </a:extLst>
+          </p:cNvPr>
+          <p:cNvSpPr txBox="1"/>
+          <p:nvPr/>
+        </p:nvSpPr>
+        <p:spPr>
+          <a:xfrm>
+            <a:off x="11123803" y="6516001"/>
+            <a:ext cx="906010" cy="261610"/>
+          </a:xfrm>
+          <a:prstGeom prst="rect">
+            <a:avLst/>
+          </a:prstGeom>
+          <a:noFill/>
+        </p:spPr>
+        <p:txBody>
+          <a:bodyPr wrap="square" rtlCol="0">
+            <a:spAutoFit/>
+          </a:bodyPr>
+          <a:lstStyle/>
+          <a:p>
+            <a:r>
+              <a:rPr lang="pt-PT" sz="1050" dirty="0"/>
+              <a:t>2019-11-19</a:t>
             </a:r>
           </a:p>
         </p:txBody>
@@ -5956,6 +6192,1226 @@
     <p:extLst>
       <p:ext uri="{BB962C8B-B14F-4D97-AF65-F5344CB8AC3E}">
         <p14:creationId xmlns:p14="http://schemas.microsoft.com/office/powerpoint/2010/main" val="1414207121"/>
+      </p:ext>
+    </p:extLst>
+  </p:cSld>
+  <p:clrMapOvr>
+    <a:masterClrMapping/>
+  </p:clrMapOvr>
+</p:sld>
+</file>
+
+<file path=ppt/slides/slide10.xml><?xml version="1.0" encoding="utf-8"?>
+<p:sld xmlns:a="http://schemas.openxmlformats.org/drawingml/2006/main" xmlns:r="http://schemas.openxmlformats.org/officeDocument/2006/relationships" xmlns:p="http://schemas.openxmlformats.org/presentationml/2006/main">
+  <p:cSld>
+    <p:spTree>
+      <p:nvGrpSpPr>
+        <p:cNvPr id="1" name=""/>
+        <p:cNvGrpSpPr/>
+        <p:nvPr/>
+      </p:nvGrpSpPr>
+      <p:grpSpPr>
+        <a:xfrm>
+          <a:off x="0" y="0"/>
+          <a:ext cx="0" cy="0"/>
+          <a:chOff x="0" y="0"/>
+          <a:chExt cx="0" cy="0"/>
+        </a:xfrm>
+      </p:grpSpPr>
+      <p:sp>
+        <p:nvSpPr>
+          <p:cNvPr id="2" name="Título 1">
+            <a:extLst>
+              <a:ext uri="{FF2B5EF4-FFF2-40B4-BE49-F238E27FC236}">
+                <a16:creationId xmlns:a16="http://schemas.microsoft.com/office/drawing/2014/main" id="{0F758686-FC44-4C71-A9B2-FD34B60EF0B8}"/>
+              </a:ext>
+            </a:extLst>
+          </p:cNvPr>
+          <p:cNvSpPr>
+            <a:spLocks noGrp="1"/>
+          </p:cNvSpPr>
+          <p:nvPr>
+            <p:ph type="title"/>
+          </p:nvPr>
+        </p:nvSpPr>
+        <p:spPr>
+          <a:xfrm>
+            <a:off x="677334" y="609600"/>
+            <a:ext cx="4859400" cy="658169"/>
+          </a:xfrm>
+        </p:spPr>
+        <p:txBody>
+          <a:bodyPr>
+            <a:normAutofit fontScale="90000"/>
+          </a:bodyPr>
+          <a:lstStyle/>
+          <a:p>
+            <a:r>
+              <a:rPr lang="pt-PT" dirty="0"/>
+              <a:t>CDI e os </a:t>
+            </a:r>
+            <a:r>
+              <a:rPr lang="pt-PT" dirty="0" err="1"/>
+              <a:t>Managed</a:t>
+            </a:r>
+            <a:r>
+              <a:rPr lang="pt-PT" dirty="0"/>
+              <a:t> </a:t>
+            </a:r>
+            <a:r>
+              <a:rPr lang="pt-PT" dirty="0" err="1"/>
+              <a:t>Beans</a:t>
+            </a:r>
+            <a:endParaRPr lang="pt-PT" dirty="0"/>
+          </a:p>
+        </p:txBody>
+      </p:sp>
+      <p:sp>
+        <p:nvSpPr>
+          <p:cNvPr id="6" name="CaixaDeTexto 5">
+            <a:extLst>
+              <a:ext uri="{FF2B5EF4-FFF2-40B4-BE49-F238E27FC236}">
+                <a16:creationId xmlns:a16="http://schemas.microsoft.com/office/drawing/2014/main" id="{58C04795-9D39-46B8-8560-16E2443E8662}"/>
+              </a:ext>
+            </a:extLst>
+          </p:cNvPr>
+          <p:cNvSpPr txBox="1"/>
+          <p:nvPr/>
+        </p:nvSpPr>
+        <p:spPr>
+          <a:xfrm>
+            <a:off x="956345" y="1400961"/>
+            <a:ext cx="8804013" cy="584775"/>
+          </a:xfrm>
+          <a:prstGeom prst="rect">
+            <a:avLst/>
+          </a:prstGeom>
+          <a:noFill/>
+        </p:spPr>
+        <p:txBody>
+          <a:bodyPr wrap="none" rtlCol="0">
+            <a:spAutoFit/>
+          </a:bodyPr>
+          <a:lstStyle/>
+          <a:p>
+            <a:r>
+              <a:rPr lang="pt-PT" sz="1600" dirty="0"/>
+              <a:t>Um dos mais conhecidos </a:t>
+            </a:r>
+            <a:r>
+              <a:rPr lang="pt-PT" sz="1600" i="1" dirty="0" err="1"/>
+              <a:t>backing</a:t>
+            </a:r>
+            <a:r>
+              <a:rPr lang="pt-PT" sz="1600" i="1" dirty="0"/>
+              <a:t> </a:t>
+            </a:r>
+            <a:r>
+              <a:rPr lang="pt-PT" sz="1600" i="1" dirty="0" err="1"/>
+              <a:t>bean</a:t>
+            </a:r>
+            <a:r>
+              <a:rPr lang="pt-PT" sz="1600" i="1" dirty="0"/>
+              <a:t> em Java.</a:t>
+            </a:r>
+            <a:endParaRPr lang="pt-PT" sz="1600" dirty="0"/>
+          </a:p>
+          <a:p>
+            <a:r>
+              <a:rPr lang="pt-PT" sz="1600" dirty="0"/>
+              <a:t>Um </a:t>
+            </a:r>
+            <a:r>
+              <a:rPr lang="pt-PT" sz="1600" i="1" dirty="0" err="1"/>
+              <a:t>backing</a:t>
+            </a:r>
+            <a:r>
+              <a:rPr lang="pt-PT" sz="1600" i="1" dirty="0"/>
+              <a:t> </a:t>
+            </a:r>
+            <a:r>
+              <a:rPr lang="pt-PT" sz="1600" i="1" dirty="0" err="1"/>
+              <a:t>bean</a:t>
+            </a:r>
+            <a:r>
+              <a:rPr lang="pt-PT" sz="1600" dirty="0"/>
+              <a:t> é uma classe que responde a pedidos e gere o estado dos componentes JSF</a:t>
+            </a:r>
+          </a:p>
+        </p:txBody>
+      </p:sp>
+      <p:sp>
+        <p:nvSpPr>
+          <p:cNvPr id="7" name="CaixaDeTexto 6">
+            <a:extLst>
+              <a:ext uri="{FF2B5EF4-FFF2-40B4-BE49-F238E27FC236}">
+                <a16:creationId xmlns:a16="http://schemas.microsoft.com/office/drawing/2014/main" id="{16206420-80C1-4272-AA0B-12C0442C666C}"/>
+              </a:ext>
+            </a:extLst>
+          </p:cNvPr>
+          <p:cNvSpPr txBox="1"/>
+          <p:nvPr/>
+        </p:nvSpPr>
+        <p:spPr>
+          <a:xfrm>
+            <a:off x="6241408" y="973123"/>
+            <a:ext cx="2508309" cy="369332"/>
+          </a:xfrm>
+          <a:prstGeom prst="rect">
+            <a:avLst/>
+          </a:prstGeom>
+        </p:spPr>
+        <p:style>
+          <a:lnRef idx="2">
+            <a:schemeClr val="accent4">
+              <a:shade val="50000"/>
+            </a:schemeClr>
+          </a:lnRef>
+          <a:fillRef idx="1">
+            <a:schemeClr val="accent4"/>
+          </a:fillRef>
+          <a:effectRef idx="0">
+            <a:schemeClr val="accent4"/>
+          </a:effectRef>
+          <a:fontRef idx="minor">
+            <a:schemeClr val="lt1"/>
+          </a:fontRef>
+        </p:style>
+        <p:txBody>
+          <a:bodyPr wrap="square" rtlCol="0">
+            <a:spAutoFit/>
+          </a:bodyPr>
+          <a:lstStyle/>
+          <a:p>
+            <a:pPr algn="ctr"/>
+            <a:r>
+              <a:rPr lang="pt-PT" dirty="0"/>
+              <a:t>“</a:t>
+            </a:r>
+            <a:r>
+              <a:rPr lang="pt-PT" i="1" dirty="0" err="1"/>
+              <a:t>servlet</a:t>
+            </a:r>
+            <a:r>
+              <a:rPr lang="pt-PT" dirty="0"/>
+              <a:t> de alto nível”</a:t>
+            </a:r>
+          </a:p>
+        </p:txBody>
+      </p:sp>
+      <p:pic>
+        <p:nvPicPr>
+          <p:cNvPr id="9" name="Imagem 8">
+            <a:extLst>
+              <a:ext uri="{FF2B5EF4-FFF2-40B4-BE49-F238E27FC236}">
+                <a16:creationId xmlns:a16="http://schemas.microsoft.com/office/drawing/2014/main" id="{96D6EB00-021D-4AF6-9D2C-0F60B55E4962}"/>
+              </a:ext>
+            </a:extLst>
+          </p:cNvPr>
+          <p:cNvPicPr>
+            <a:picLocks noChangeAspect="1"/>
+          </p:cNvPicPr>
+          <p:nvPr/>
+        </p:nvPicPr>
+        <p:blipFill>
+          <a:blip r:embed="rId2"/>
+          <a:stretch>
+            <a:fillRect/>
+          </a:stretch>
+        </p:blipFill>
+        <p:spPr>
+          <a:xfrm>
+            <a:off x="505611" y="2774349"/>
+            <a:ext cx="4593633" cy="1579538"/>
+          </a:xfrm>
+          <a:prstGeom prst="rect">
+            <a:avLst/>
+          </a:prstGeom>
+        </p:spPr>
+      </p:pic>
+      <p:sp>
+        <p:nvSpPr>
+          <p:cNvPr id="12" name="CaixaDeTexto 11">
+            <a:extLst>
+              <a:ext uri="{FF2B5EF4-FFF2-40B4-BE49-F238E27FC236}">
+                <a16:creationId xmlns:a16="http://schemas.microsoft.com/office/drawing/2014/main" id="{C0D10C8C-45DB-410B-AD10-3C989BEDA807}"/>
+              </a:ext>
+            </a:extLst>
+          </p:cNvPr>
+          <p:cNvSpPr txBox="1"/>
+          <p:nvPr/>
+        </p:nvSpPr>
+        <p:spPr>
+          <a:xfrm>
+            <a:off x="1106561" y="2099176"/>
+            <a:ext cx="6527749" cy="477054"/>
+          </a:xfrm>
+          <a:prstGeom prst="rect">
+            <a:avLst/>
+          </a:prstGeom>
+          <a:noFill/>
+        </p:spPr>
+        <p:txBody>
+          <a:bodyPr wrap="none" rtlCol="0">
+            <a:spAutoFit/>
+          </a:bodyPr>
+          <a:lstStyle/>
+          <a:p>
+            <a:r>
+              <a:rPr lang="pt-PT" sz="1400" dirty="0"/>
+              <a:t>O </a:t>
+            </a:r>
+            <a:r>
+              <a:rPr lang="pt-PT" sz="1400" i="1" dirty="0" err="1"/>
+              <a:t>Menaged</a:t>
+            </a:r>
+            <a:r>
+              <a:rPr lang="pt-PT" sz="1400" i="1" dirty="0"/>
+              <a:t> Bean</a:t>
+            </a:r>
+            <a:r>
+              <a:rPr lang="pt-PT" sz="1400" dirty="0"/>
+              <a:t> “</a:t>
+            </a:r>
+            <a:r>
+              <a:rPr lang="pt-PT" sz="1400" dirty="0" err="1"/>
+              <a:t>medicoMB</a:t>
+            </a:r>
+            <a:r>
+              <a:rPr lang="pt-PT" sz="1400" dirty="0"/>
+              <a:t>”</a:t>
+            </a:r>
+            <a:br>
+              <a:rPr lang="pt-PT" sz="1400" dirty="0"/>
+            </a:br>
+            <a:r>
+              <a:rPr lang="pt-PT" sz="1100" dirty="0"/>
+              <a:t>O CDI mapeia todas as classes do </a:t>
+            </a:r>
+            <a:r>
+              <a:rPr lang="pt-PT" sz="1100" dirty="0" err="1"/>
+              <a:t>projecto</a:t>
+            </a:r>
+            <a:r>
+              <a:rPr lang="pt-PT" sz="1100" dirty="0"/>
+              <a:t> consideradas </a:t>
+            </a:r>
+            <a:r>
+              <a:rPr lang="pt-PT" sz="1100" dirty="0" err="1"/>
+              <a:t>Maneged</a:t>
+            </a:r>
+            <a:r>
+              <a:rPr lang="pt-PT" sz="1100" dirty="0"/>
+              <a:t> </a:t>
+            </a:r>
+            <a:r>
+              <a:rPr lang="pt-PT" sz="1100" dirty="0" err="1"/>
+              <a:t>Beans</a:t>
+            </a:r>
+            <a:r>
+              <a:rPr lang="pt-PT" sz="1100" dirty="0"/>
+              <a:t> serão visíveis em todo o JSF</a:t>
+            </a:r>
+          </a:p>
+        </p:txBody>
+      </p:sp>
+      <p:sp>
+        <p:nvSpPr>
+          <p:cNvPr id="13" name="CaixaDeTexto 12">
+            <a:extLst>
+              <a:ext uri="{FF2B5EF4-FFF2-40B4-BE49-F238E27FC236}">
+                <a16:creationId xmlns:a16="http://schemas.microsoft.com/office/drawing/2014/main" id="{7B1A7175-031B-4FF4-AD82-63769082E89D}"/>
+              </a:ext>
+            </a:extLst>
+          </p:cNvPr>
+          <p:cNvSpPr txBox="1"/>
+          <p:nvPr/>
+        </p:nvSpPr>
+        <p:spPr>
+          <a:xfrm>
+            <a:off x="7495562" y="2689670"/>
+            <a:ext cx="2508309" cy="369332"/>
+          </a:xfrm>
+          <a:prstGeom prst="rect">
+            <a:avLst/>
+          </a:prstGeom>
+        </p:spPr>
+        <p:style>
+          <a:lnRef idx="2">
+            <a:schemeClr val="accent3">
+              <a:shade val="50000"/>
+            </a:schemeClr>
+          </a:lnRef>
+          <a:fillRef idx="1">
+            <a:schemeClr val="accent3"/>
+          </a:fillRef>
+          <a:effectRef idx="0">
+            <a:schemeClr val="accent3"/>
+          </a:effectRef>
+          <a:fontRef idx="minor">
+            <a:schemeClr val="lt1"/>
+          </a:fontRef>
+        </p:style>
+        <p:txBody>
+          <a:bodyPr wrap="square" rtlCol="0">
+            <a:spAutoFit/>
+          </a:bodyPr>
+          <a:lstStyle/>
+          <a:p>
+            <a:pPr algn="ctr"/>
+            <a:r>
+              <a:rPr lang="pt-PT" dirty="0"/>
+              <a:t>Anotação @</a:t>
+            </a:r>
+            <a:r>
+              <a:rPr lang="pt-PT" dirty="0" err="1"/>
+              <a:t>Named</a:t>
+            </a:r>
+            <a:r>
+              <a:rPr lang="pt-PT" dirty="0"/>
+              <a:t>()</a:t>
+            </a:r>
+          </a:p>
+        </p:txBody>
+      </p:sp>
+      <p:pic>
+        <p:nvPicPr>
+          <p:cNvPr id="14" name="Imagem 13">
+            <a:extLst>
+              <a:ext uri="{FF2B5EF4-FFF2-40B4-BE49-F238E27FC236}">
+                <a16:creationId xmlns:a16="http://schemas.microsoft.com/office/drawing/2014/main" id="{747366EF-2AA6-4551-9537-9FED366FA706}"/>
+              </a:ext>
+            </a:extLst>
+          </p:cNvPr>
+          <p:cNvPicPr>
+            <a:picLocks noChangeAspect="1"/>
+          </p:cNvPicPr>
+          <p:nvPr/>
+        </p:nvPicPr>
+        <p:blipFill>
+          <a:blip r:embed="rId3"/>
+          <a:stretch>
+            <a:fillRect/>
+          </a:stretch>
+        </p:blipFill>
+        <p:spPr>
+          <a:xfrm>
+            <a:off x="5217953" y="3352710"/>
+            <a:ext cx="6468436" cy="2958657"/>
+          </a:xfrm>
+          <a:prstGeom prst="rect">
+            <a:avLst/>
+          </a:prstGeom>
+        </p:spPr>
+      </p:pic>
+      <p:pic>
+        <p:nvPicPr>
+          <p:cNvPr id="16" name="Imagem 15">
+            <a:extLst>
+              <a:ext uri="{FF2B5EF4-FFF2-40B4-BE49-F238E27FC236}">
+                <a16:creationId xmlns:a16="http://schemas.microsoft.com/office/drawing/2014/main" id="{EF756E29-55DC-4966-A338-3377014E9F2D}"/>
+              </a:ext>
+            </a:extLst>
+          </p:cNvPr>
+          <p:cNvPicPr>
+            <a:picLocks noChangeAspect="1"/>
+          </p:cNvPicPr>
+          <p:nvPr/>
+        </p:nvPicPr>
+        <p:blipFill>
+          <a:blip r:embed="rId4"/>
+          <a:stretch>
+            <a:fillRect/>
+          </a:stretch>
+        </p:blipFill>
+        <p:spPr>
+          <a:xfrm>
+            <a:off x="409475" y="4486754"/>
+            <a:ext cx="4462699" cy="2014714"/>
+          </a:xfrm>
+          <a:prstGeom prst="rect">
+            <a:avLst/>
+          </a:prstGeom>
+        </p:spPr>
+      </p:pic>
+      <p:cxnSp>
+        <p:nvCxnSpPr>
+          <p:cNvPr id="20" name="Conexão reta unidirecional 19">
+            <a:extLst>
+              <a:ext uri="{FF2B5EF4-FFF2-40B4-BE49-F238E27FC236}">
+                <a16:creationId xmlns:a16="http://schemas.microsoft.com/office/drawing/2014/main" id="{3F805110-25FE-4171-A425-CD38D9DE9510}"/>
+              </a:ext>
+            </a:extLst>
+          </p:cNvPr>
+          <p:cNvCxnSpPr>
+            <a:cxnSpLocks/>
+          </p:cNvCxnSpPr>
+          <p:nvPr/>
+        </p:nvCxnSpPr>
+        <p:spPr>
+          <a:xfrm>
+            <a:off x="3523376" y="5719126"/>
+            <a:ext cx="1879134" cy="262224"/>
+          </a:xfrm>
+          <a:prstGeom prst="straightConnector1">
+            <a:avLst/>
+          </a:prstGeom>
+          <a:ln>
+            <a:tailEnd type="triangle"/>
+          </a:ln>
+        </p:spPr>
+        <p:style>
+          <a:lnRef idx="1">
+            <a:schemeClr val="accent1"/>
+          </a:lnRef>
+          <a:fillRef idx="0">
+            <a:schemeClr val="accent1"/>
+          </a:fillRef>
+          <a:effectRef idx="0">
+            <a:schemeClr val="accent1"/>
+          </a:effectRef>
+          <a:fontRef idx="minor">
+            <a:schemeClr val="tx1"/>
+          </a:fontRef>
+        </p:style>
+      </p:cxnSp>
+      <p:cxnSp>
+        <p:nvCxnSpPr>
+          <p:cNvPr id="25" name="Conexão reta unidirecional 24">
+            <a:extLst>
+              <a:ext uri="{FF2B5EF4-FFF2-40B4-BE49-F238E27FC236}">
+                <a16:creationId xmlns:a16="http://schemas.microsoft.com/office/drawing/2014/main" id="{89716AFE-F31E-45D4-9A01-D3D7FB0824E3}"/>
+              </a:ext>
+            </a:extLst>
+          </p:cNvPr>
+          <p:cNvCxnSpPr>
+            <a:cxnSpLocks/>
+          </p:cNvCxnSpPr>
+          <p:nvPr/>
+        </p:nvCxnSpPr>
+        <p:spPr>
+          <a:xfrm flipV="1">
+            <a:off x="3523376" y="3640825"/>
+            <a:ext cx="3439486" cy="477053"/>
+          </a:xfrm>
+          <a:prstGeom prst="straightConnector1">
+            <a:avLst/>
+          </a:prstGeom>
+          <a:ln>
+            <a:tailEnd type="triangle"/>
+          </a:ln>
+        </p:spPr>
+        <p:style>
+          <a:lnRef idx="1">
+            <a:schemeClr val="accent1"/>
+          </a:lnRef>
+          <a:fillRef idx="0">
+            <a:schemeClr val="accent1"/>
+          </a:fillRef>
+          <a:effectRef idx="0">
+            <a:schemeClr val="accent1"/>
+          </a:effectRef>
+          <a:fontRef idx="minor">
+            <a:schemeClr val="tx1"/>
+          </a:fontRef>
+        </p:style>
+      </p:cxnSp>
+      <p:sp>
+        <p:nvSpPr>
+          <p:cNvPr id="30" name="CaixaDeTexto 29">
+            <a:extLst>
+              <a:ext uri="{FF2B5EF4-FFF2-40B4-BE49-F238E27FC236}">
+                <a16:creationId xmlns:a16="http://schemas.microsoft.com/office/drawing/2014/main" id="{5DE86807-4DAA-4446-9251-F21456E48EFB}"/>
+              </a:ext>
+            </a:extLst>
+          </p:cNvPr>
+          <p:cNvSpPr txBox="1"/>
+          <p:nvPr/>
+        </p:nvSpPr>
+        <p:spPr>
+          <a:xfrm>
+            <a:off x="10867217" y="2301646"/>
+            <a:ext cx="1083950" cy="246221"/>
+          </a:xfrm>
+          <a:prstGeom prst="rect">
+            <a:avLst/>
+          </a:prstGeom>
+        </p:spPr>
+        <p:style>
+          <a:lnRef idx="1">
+            <a:schemeClr val="accent6"/>
+          </a:lnRef>
+          <a:fillRef idx="3">
+            <a:schemeClr val="accent6"/>
+          </a:fillRef>
+          <a:effectRef idx="2">
+            <a:schemeClr val="accent6"/>
+          </a:effectRef>
+          <a:fontRef idx="minor">
+            <a:schemeClr val="lt1"/>
+          </a:fontRef>
+        </p:style>
+        <p:txBody>
+          <a:bodyPr wrap="none" rtlCol="0">
+            <a:spAutoFit/>
+          </a:bodyPr>
+          <a:lstStyle/>
+          <a:p>
+            <a:pPr algn="ctr"/>
+            <a:r>
+              <a:rPr lang="pt-PT" sz="1000" dirty="0"/>
+              <a:t>Exemplo de uso</a:t>
+            </a:r>
+          </a:p>
+        </p:txBody>
+      </p:sp>
+    </p:spTree>
+    <p:extLst>
+      <p:ext uri="{BB962C8B-B14F-4D97-AF65-F5344CB8AC3E}">
+        <p14:creationId xmlns:p14="http://schemas.microsoft.com/office/powerpoint/2010/main" val="2585979266"/>
+      </p:ext>
+    </p:extLst>
+  </p:cSld>
+  <p:clrMapOvr>
+    <a:masterClrMapping/>
+  </p:clrMapOvr>
+</p:sld>
+</file>
+
+<file path=ppt/slides/slide11.xml><?xml version="1.0" encoding="utf-8"?>
+<p:sld xmlns:a="http://schemas.openxmlformats.org/drawingml/2006/main" xmlns:r="http://schemas.openxmlformats.org/officeDocument/2006/relationships" xmlns:p="http://schemas.openxmlformats.org/presentationml/2006/main">
+  <p:cSld>
+    <p:spTree>
+      <p:nvGrpSpPr>
+        <p:cNvPr id="1" name=""/>
+        <p:cNvGrpSpPr/>
+        <p:nvPr/>
+      </p:nvGrpSpPr>
+      <p:grpSpPr>
+        <a:xfrm>
+          <a:off x="0" y="0"/>
+          <a:ext cx="0" cy="0"/>
+          <a:chOff x="0" y="0"/>
+          <a:chExt cx="0" cy="0"/>
+        </a:xfrm>
+      </p:grpSpPr>
+      <p:pic>
+        <p:nvPicPr>
+          <p:cNvPr id="29" name="Imagem 28">
+            <a:extLst>
+              <a:ext uri="{FF2B5EF4-FFF2-40B4-BE49-F238E27FC236}">
+                <a16:creationId xmlns:a16="http://schemas.microsoft.com/office/drawing/2014/main" id="{B01B3472-23D9-4C1B-A835-EA6307955E97}"/>
+              </a:ext>
+            </a:extLst>
+          </p:cNvPr>
+          <p:cNvPicPr>
+            <a:picLocks noChangeAspect="1"/>
+          </p:cNvPicPr>
+          <p:nvPr/>
+        </p:nvPicPr>
+        <p:blipFill>
+          <a:blip r:embed="rId2"/>
+          <a:stretch>
+            <a:fillRect/>
+          </a:stretch>
+        </p:blipFill>
+        <p:spPr>
+          <a:xfrm>
+            <a:off x="751267" y="1668652"/>
+            <a:ext cx="3770399" cy="4315587"/>
+          </a:xfrm>
+          <a:prstGeom prst="rect">
+            <a:avLst/>
+          </a:prstGeom>
+        </p:spPr>
+      </p:pic>
+      <p:sp>
+        <p:nvSpPr>
+          <p:cNvPr id="2" name="Título 1">
+            <a:extLst>
+              <a:ext uri="{FF2B5EF4-FFF2-40B4-BE49-F238E27FC236}">
+                <a16:creationId xmlns:a16="http://schemas.microsoft.com/office/drawing/2014/main" id="{0F758686-FC44-4C71-A9B2-FD34B60EF0B8}"/>
+              </a:ext>
+            </a:extLst>
+          </p:cNvPr>
+          <p:cNvSpPr>
+            <a:spLocks noGrp="1"/>
+          </p:cNvSpPr>
+          <p:nvPr>
+            <p:ph type="title"/>
+          </p:nvPr>
+        </p:nvSpPr>
+        <p:spPr>
+          <a:xfrm>
+            <a:off x="677334" y="609600"/>
+            <a:ext cx="4859400" cy="658169"/>
+          </a:xfrm>
+        </p:spPr>
+        <p:txBody>
+          <a:bodyPr>
+            <a:normAutofit fontScale="90000"/>
+          </a:bodyPr>
+          <a:lstStyle/>
+          <a:p>
+            <a:r>
+              <a:rPr lang="pt-PT" dirty="0"/>
+              <a:t>CDI e os </a:t>
+            </a:r>
+            <a:r>
+              <a:rPr lang="pt-PT" dirty="0" err="1"/>
+              <a:t>Managed</a:t>
+            </a:r>
+            <a:r>
+              <a:rPr lang="pt-PT" dirty="0"/>
+              <a:t> </a:t>
+            </a:r>
+            <a:r>
+              <a:rPr lang="pt-PT" dirty="0" err="1"/>
+              <a:t>Beans</a:t>
+            </a:r>
+            <a:endParaRPr lang="pt-PT" dirty="0"/>
+          </a:p>
+        </p:txBody>
+      </p:sp>
+      <p:sp>
+        <p:nvSpPr>
+          <p:cNvPr id="3" name="CaixaDeTexto 2">
+            <a:extLst>
+              <a:ext uri="{FF2B5EF4-FFF2-40B4-BE49-F238E27FC236}">
+                <a16:creationId xmlns:a16="http://schemas.microsoft.com/office/drawing/2014/main" id="{8479B91B-87E7-4CA8-A5F4-4F8E5E11892D}"/>
+              </a:ext>
+            </a:extLst>
+          </p:cNvPr>
+          <p:cNvSpPr txBox="1"/>
+          <p:nvPr/>
+        </p:nvSpPr>
+        <p:spPr>
+          <a:xfrm>
+            <a:off x="677334" y="1091286"/>
+            <a:ext cx="8629285" cy="584775"/>
+          </a:xfrm>
+          <a:prstGeom prst="rect">
+            <a:avLst/>
+          </a:prstGeom>
+          <a:noFill/>
+        </p:spPr>
+        <p:txBody>
+          <a:bodyPr wrap="none" rtlCol="0">
+            <a:spAutoFit/>
+          </a:bodyPr>
+          <a:lstStyle/>
+          <a:p>
+            <a:r>
+              <a:rPr lang="pt-PT" dirty="0"/>
+              <a:t>Uma classe para definir permissões e respetivas áreas para cada nível de acesso. </a:t>
+            </a:r>
+            <a:br>
+              <a:rPr lang="pt-PT" dirty="0"/>
+            </a:br>
+            <a:r>
+              <a:rPr lang="pt-PT" sz="1400" dirty="0"/>
+              <a:t>Uso do acrónimo CRUD (criação, consulta, atualização e destruição de dados).</a:t>
+            </a:r>
+            <a:endParaRPr lang="pt-PT" dirty="0"/>
+          </a:p>
+        </p:txBody>
+      </p:sp>
+      <p:sp>
+        <p:nvSpPr>
+          <p:cNvPr id="5" name="CaixaDeTexto 4">
+            <a:extLst>
+              <a:ext uri="{FF2B5EF4-FFF2-40B4-BE49-F238E27FC236}">
+                <a16:creationId xmlns:a16="http://schemas.microsoft.com/office/drawing/2014/main" id="{FFA7B777-6D6D-401D-BE79-9807200B33E4}"/>
+              </a:ext>
+            </a:extLst>
+          </p:cNvPr>
+          <p:cNvSpPr txBox="1"/>
+          <p:nvPr/>
+        </p:nvSpPr>
+        <p:spPr>
+          <a:xfrm>
+            <a:off x="9756022" y="1738364"/>
+            <a:ext cx="1083950" cy="246221"/>
+          </a:xfrm>
+          <a:prstGeom prst="rect">
+            <a:avLst/>
+          </a:prstGeom>
+        </p:spPr>
+        <p:style>
+          <a:lnRef idx="1">
+            <a:schemeClr val="accent6"/>
+          </a:lnRef>
+          <a:fillRef idx="3">
+            <a:schemeClr val="accent6"/>
+          </a:fillRef>
+          <a:effectRef idx="2">
+            <a:schemeClr val="accent6"/>
+          </a:effectRef>
+          <a:fontRef idx="minor">
+            <a:schemeClr val="lt1"/>
+          </a:fontRef>
+        </p:style>
+        <p:txBody>
+          <a:bodyPr wrap="none" rtlCol="0">
+            <a:spAutoFit/>
+          </a:bodyPr>
+          <a:lstStyle/>
+          <a:p>
+            <a:pPr algn="ctr"/>
+            <a:r>
+              <a:rPr lang="pt-PT" sz="1000" dirty="0"/>
+              <a:t>Exemplo de uso</a:t>
+            </a:r>
+          </a:p>
+        </p:txBody>
+      </p:sp>
+      <p:pic>
+        <p:nvPicPr>
+          <p:cNvPr id="11" name="Imagem 10">
+            <a:extLst>
+              <a:ext uri="{FF2B5EF4-FFF2-40B4-BE49-F238E27FC236}">
+                <a16:creationId xmlns:a16="http://schemas.microsoft.com/office/drawing/2014/main" id="{91A5682B-8A80-40C8-9ABC-B07FABB2734D}"/>
+              </a:ext>
+            </a:extLst>
+          </p:cNvPr>
+          <p:cNvPicPr>
+            <a:picLocks noChangeAspect="1"/>
+          </p:cNvPicPr>
+          <p:nvPr/>
+        </p:nvPicPr>
+        <p:blipFill>
+          <a:blip r:embed="rId3"/>
+          <a:stretch>
+            <a:fillRect/>
+          </a:stretch>
+        </p:blipFill>
+        <p:spPr>
+          <a:xfrm>
+            <a:off x="4986853" y="2130614"/>
+            <a:ext cx="5112610" cy="3540005"/>
+          </a:xfrm>
+          <a:prstGeom prst="rect">
+            <a:avLst/>
+          </a:prstGeom>
+        </p:spPr>
+      </p:pic>
+      <p:cxnSp>
+        <p:nvCxnSpPr>
+          <p:cNvPr id="18" name="Conexão reta unidirecional 17">
+            <a:extLst>
+              <a:ext uri="{FF2B5EF4-FFF2-40B4-BE49-F238E27FC236}">
+                <a16:creationId xmlns:a16="http://schemas.microsoft.com/office/drawing/2014/main" id="{DBEA056F-FAB4-4A20-9E4C-394BD8C9E01A}"/>
+              </a:ext>
+            </a:extLst>
+          </p:cNvPr>
+          <p:cNvCxnSpPr/>
+          <p:nvPr/>
+        </p:nvCxnSpPr>
+        <p:spPr>
+          <a:xfrm flipH="1">
+            <a:off x="4009938" y="5243119"/>
+            <a:ext cx="855677" cy="771059"/>
+          </a:xfrm>
+          <a:prstGeom prst="straightConnector1">
+            <a:avLst/>
+          </a:prstGeom>
+          <a:ln>
+            <a:tailEnd type="triangle"/>
+          </a:ln>
+        </p:spPr>
+        <p:style>
+          <a:lnRef idx="1">
+            <a:schemeClr val="accent1"/>
+          </a:lnRef>
+          <a:fillRef idx="0">
+            <a:schemeClr val="accent1"/>
+          </a:fillRef>
+          <a:effectRef idx="0">
+            <a:schemeClr val="accent1"/>
+          </a:effectRef>
+          <a:fontRef idx="minor">
+            <a:schemeClr val="tx1"/>
+          </a:fontRef>
+        </p:style>
+      </p:cxnSp>
+      <p:sp>
+        <p:nvSpPr>
+          <p:cNvPr id="19" name="CaixaDeTexto 18">
+            <a:extLst>
+              <a:ext uri="{FF2B5EF4-FFF2-40B4-BE49-F238E27FC236}">
+                <a16:creationId xmlns:a16="http://schemas.microsoft.com/office/drawing/2014/main" id="{A9CF1A9E-1E79-492A-83B5-F212B20D3826}"/>
+              </a:ext>
+            </a:extLst>
+          </p:cNvPr>
+          <p:cNvSpPr txBox="1"/>
+          <p:nvPr/>
+        </p:nvSpPr>
+        <p:spPr>
+          <a:xfrm rot="19151788">
+            <a:off x="3913208" y="5401480"/>
+            <a:ext cx="992579" cy="246221"/>
+          </a:xfrm>
+          <a:prstGeom prst="rect">
+            <a:avLst/>
+          </a:prstGeom>
+          <a:noFill/>
+        </p:spPr>
+        <p:txBody>
+          <a:bodyPr wrap="none" rtlCol="0">
+            <a:spAutoFit/>
+          </a:bodyPr>
+          <a:lstStyle/>
+          <a:p>
+            <a:r>
+              <a:rPr lang="pt-PT" sz="1000" dirty="0"/>
+              <a:t>Administrador</a:t>
+            </a:r>
+            <a:endParaRPr lang="pt-PT" dirty="0"/>
+          </a:p>
+        </p:txBody>
+      </p:sp>
+      <p:pic>
+        <p:nvPicPr>
+          <p:cNvPr id="21" name="Imagem 20">
+            <a:extLst>
+              <a:ext uri="{FF2B5EF4-FFF2-40B4-BE49-F238E27FC236}">
+                <a16:creationId xmlns:a16="http://schemas.microsoft.com/office/drawing/2014/main" id="{F9E420EA-E541-4938-A57F-F24BE43E7DE5}"/>
+              </a:ext>
+            </a:extLst>
+          </p:cNvPr>
+          <p:cNvPicPr>
+            <a:picLocks noChangeAspect="1"/>
+          </p:cNvPicPr>
+          <p:nvPr/>
+        </p:nvPicPr>
+        <p:blipFill>
+          <a:blip r:embed="rId4"/>
+          <a:stretch>
+            <a:fillRect/>
+          </a:stretch>
+        </p:blipFill>
+        <p:spPr>
+          <a:xfrm>
+            <a:off x="677334" y="6014178"/>
+            <a:ext cx="4652090" cy="634615"/>
+          </a:xfrm>
+          <a:prstGeom prst="rect">
+            <a:avLst/>
+          </a:prstGeom>
+        </p:spPr>
+      </p:pic>
+      <p:pic>
+        <p:nvPicPr>
+          <p:cNvPr id="22" name="Imagem 21">
+            <a:extLst>
+              <a:ext uri="{FF2B5EF4-FFF2-40B4-BE49-F238E27FC236}">
+                <a16:creationId xmlns:a16="http://schemas.microsoft.com/office/drawing/2014/main" id="{F8A460D9-B6E5-4578-8411-E8F13B55CA79}"/>
+              </a:ext>
+            </a:extLst>
+          </p:cNvPr>
+          <p:cNvPicPr>
+            <a:picLocks noChangeAspect="1"/>
+          </p:cNvPicPr>
+          <p:nvPr/>
+        </p:nvPicPr>
+        <p:blipFill>
+          <a:blip r:embed="rId5"/>
+          <a:stretch>
+            <a:fillRect/>
+          </a:stretch>
+        </p:blipFill>
+        <p:spPr>
+          <a:xfrm>
+            <a:off x="5621510" y="6057994"/>
+            <a:ext cx="5469453" cy="590798"/>
+          </a:xfrm>
+          <a:prstGeom prst="rect">
+            <a:avLst/>
+          </a:prstGeom>
+        </p:spPr>
+      </p:pic>
+      <p:cxnSp>
+        <p:nvCxnSpPr>
+          <p:cNvPr id="24" name="Conexão reta unidirecional 23">
+            <a:extLst>
+              <a:ext uri="{FF2B5EF4-FFF2-40B4-BE49-F238E27FC236}">
+                <a16:creationId xmlns:a16="http://schemas.microsoft.com/office/drawing/2014/main" id="{126F0D32-9A0B-4029-9A79-BCEDC5AB1DB3}"/>
+              </a:ext>
+            </a:extLst>
+          </p:cNvPr>
+          <p:cNvCxnSpPr/>
+          <p:nvPr/>
+        </p:nvCxnSpPr>
+        <p:spPr>
+          <a:xfrm>
+            <a:off x="7961152" y="5368954"/>
+            <a:ext cx="0" cy="573135"/>
+          </a:xfrm>
+          <a:prstGeom prst="straightConnector1">
+            <a:avLst/>
+          </a:prstGeom>
+          <a:ln>
+            <a:tailEnd type="triangle"/>
+          </a:ln>
+        </p:spPr>
+        <p:style>
+          <a:lnRef idx="1">
+            <a:schemeClr val="accent1"/>
+          </a:lnRef>
+          <a:fillRef idx="0">
+            <a:schemeClr val="accent1"/>
+          </a:fillRef>
+          <a:effectRef idx="0">
+            <a:schemeClr val="accent1"/>
+          </a:effectRef>
+          <a:fontRef idx="minor">
+            <a:schemeClr val="tx1"/>
+          </a:fontRef>
+        </p:style>
+      </p:cxnSp>
+      <p:sp>
+        <p:nvSpPr>
+          <p:cNvPr id="26" name="CaixaDeTexto 25">
+            <a:extLst>
+              <a:ext uri="{FF2B5EF4-FFF2-40B4-BE49-F238E27FC236}">
+                <a16:creationId xmlns:a16="http://schemas.microsoft.com/office/drawing/2014/main" id="{741182E7-5547-4E87-B006-5F7ED129FBEF}"/>
+              </a:ext>
+            </a:extLst>
+          </p:cNvPr>
+          <p:cNvSpPr txBox="1"/>
+          <p:nvPr/>
+        </p:nvSpPr>
+        <p:spPr>
+          <a:xfrm>
+            <a:off x="7998294" y="5540303"/>
+            <a:ext cx="688009" cy="246221"/>
+          </a:xfrm>
+          <a:prstGeom prst="rect">
+            <a:avLst/>
+          </a:prstGeom>
+          <a:noFill/>
+        </p:spPr>
+        <p:txBody>
+          <a:bodyPr wrap="none" rtlCol="0">
+            <a:spAutoFit/>
+          </a:bodyPr>
+          <a:lstStyle/>
+          <a:p>
+            <a:r>
+              <a:rPr lang="pt-PT" sz="1000" dirty="0"/>
+              <a:t>Paciente</a:t>
+            </a:r>
+            <a:endParaRPr lang="pt-PT" dirty="0"/>
+          </a:p>
+        </p:txBody>
+      </p:sp>
+      <p:sp>
+        <p:nvSpPr>
+          <p:cNvPr id="27" name="CaixaDeTexto 26">
+            <a:extLst>
+              <a:ext uri="{FF2B5EF4-FFF2-40B4-BE49-F238E27FC236}">
+                <a16:creationId xmlns:a16="http://schemas.microsoft.com/office/drawing/2014/main" id="{107F4C85-ABE9-4DCC-B4A7-67C7AD00CBCE}"/>
+              </a:ext>
+            </a:extLst>
+          </p:cNvPr>
+          <p:cNvSpPr txBox="1"/>
+          <p:nvPr/>
+        </p:nvSpPr>
+        <p:spPr>
+          <a:xfrm>
+            <a:off x="5621510" y="1668652"/>
+            <a:ext cx="3150221" cy="415498"/>
+          </a:xfrm>
+          <a:prstGeom prst="rect">
+            <a:avLst/>
+          </a:prstGeom>
+        </p:spPr>
+        <p:style>
+          <a:lnRef idx="0">
+            <a:schemeClr val="accent1"/>
+          </a:lnRef>
+          <a:fillRef idx="3">
+            <a:schemeClr val="accent1"/>
+          </a:fillRef>
+          <a:effectRef idx="3">
+            <a:schemeClr val="accent1"/>
+          </a:effectRef>
+          <a:fontRef idx="minor">
+            <a:schemeClr val="lt1"/>
+          </a:fontRef>
+        </p:style>
+        <p:txBody>
+          <a:bodyPr wrap="none" rtlCol="0">
+            <a:spAutoFit/>
+          </a:bodyPr>
+          <a:lstStyle/>
+          <a:p>
+            <a:r>
+              <a:rPr lang="pt-PT" sz="1050" dirty="0"/>
+              <a:t>O poder do atributo </a:t>
+            </a:r>
+            <a:r>
+              <a:rPr lang="pt-PT" sz="1050" b="1" i="1" dirty="0" err="1"/>
+              <a:t>Rendered</a:t>
+            </a:r>
+            <a:r>
+              <a:rPr lang="pt-PT" sz="1050" b="1" i="1" dirty="0"/>
+              <a:t>,</a:t>
+            </a:r>
+            <a:br>
+              <a:rPr lang="pt-PT" sz="1050" b="1" i="1" dirty="0"/>
+            </a:br>
+            <a:r>
+              <a:rPr lang="pt-PT" sz="1050" i="1" dirty="0" err="1"/>
+              <a:t>renderiza</a:t>
+            </a:r>
+            <a:r>
+              <a:rPr lang="pt-PT" sz="1050" dirty="0"/>
+              <a:t> o elemento se valor verdadeiro “</a:t>
+            </a:r>
+            <a:r>
+              <a:rPr lang="pt-PT" sz="1050" b="1" i="1" dirty="0" err="1"/>
+              <a:t>true</a:t>
+            </a:r>
+            <a:r>
+              <a:rPr lang="pt-PT" sz="1050" b="1" i="1" dirty="0"/>
+              <a:t>”</a:t>
+            </a:r>
+          </a:p>
+        </p:txBody>
+      </p:sp>
+    </p:spTree>
+    <p:extLst>
+      <p:ext uri="{BB962C8B-B14F-4D97-AF65-F5344CB8AC3E}">
+        <p14:creationId xmlns:p14="http://schemas.microsoft.com/office/powerpoint/2010/main" val="1849878554"/>
+      </p:ext>
+    </p:extLst>
+  </p:cSld>
+  <p:clrMapOvr>
+    <a:masterClrMapping/>
+  </p:clrMapOvr>
+</p:sld>
+</file>
+
+<file path=ppt/slides/slide12.xml><?xml version="1.0" encoding="utf-8"?>
+<p:sld xmlns:a="http://schemas.openxmlformats.org/drawingml/2006/main" xmlns:r="http://schemas.openxmlformats.org/officeDocument/2006/relationships" xmlns:p="http://schemas.openxmlformats.org/presentationml/2006/main">
+  <p:cSld>
+    <p:spTree>
+      <p:nvGrpSpPr>
+        <p:cNvPr id="1" name=""/>
+        <p:cNvGrpSpPr/>
+        <p:nvPr/>
+      </p:nvGrpSpPr>
+      <p:grpSpPr>
+        <a:xfrm>
+          <a:off x="0" y="0"/>
+          <a:ext cx="0" cy="0"/>
+          <a:chOff x="0" y="0"/>
+          <a:chExt cx="0" cy="0"/>
+        </a:xfrm>
+      </p:grpSpPr>
+      <p:sp>
+        <p:nvSpPr>
+          <p:cNvPr id="2" name="Título 1">
+            <a:extLst>
+              <a:ext uri="{FF2B5EF4-FFF2-40B4-BE49-F238E27FC236}">
+                <a16:creationId xmlns:a16="http://schemas.microsoft.com/office/drawing/2014/main" id="{0F758686-FC44-4C71-A9B2-FD34B60EF0B8}"/>
+              </a:ext>
+            </a:extLst>
+          </p:cNvPr>
+          <p:cNvSpPr>
+            <a:spLocks noGrp="1"/>
+          </p:cNvSpPr>
+          <p:nvPr>
+            <p:ph type="title"/>
+          </p:nvPr>
+        </p:nvSpPr>
+        <p:spPr>
+          <a:xfrm>
+            <a:off x="677334" y="609600"/>
+            <a:ext cx="4859400" cy="658169"/>
+          </a:xfrm>
+        </p:spPr>
+        <p:txBody>
+          <a:bodyPr>
+            <a:normAutofit/>
+          </a:bodyPr>
+          <a:lstStyle/>
+          <a:p>
+            <a:r>
+              <a:rPr lang="pt-PT" dirty="0"/>
+              <a:t>Melhorias</a:t>
+            </a:r>
+          </a:p>
+        </p:txBody>
+      </p:sp>
+      <p:sp>
+        <p:nvSpPr>
+          <p:cNvPr id="4" name="CaixaDeTexto 3">
+            <a:extLst>
+              <a:ext uri="{FF2B5EF4-FFF2-40B4-BE49-F238E27FC236}">
+                <a16:creationId xmlns:a16="http://schemas.microsoft.com/office/drawing/2014/main" id="{002191B1-B297-424F-9286-199BAF572FC2}"/>
+              </a:ext>
+            </a:extLst>
+          </p:cNvPr>
+          <p:cNvSpPr txBox="1"/>
+          <p:nvPr/>
+        </p:nvSpPr>
+        <p:spPr>
+          <a:xfrm>
+            <a:off x="1638299" y="1495425"/>
+            <a:ext cx="7115175" cy="1477328"/>
+          </a:xfrm>
+          <a:prstGeom prst="rect">
+            <a:avLst/>
+          </a:prstGeom>
+          <a:noFill/>
+        </p:spPr>
+        <p:txBody>
+          <a:bodyPr wrap="square" rtlCol="0">
+            <a:spAutoFit/>
+          </a:bodyPr>
+          <a:lstStyle/>
+          <a:p>
+            <a:pPr marL="285750" indent="-285750">
+              <a:buFont typeface="Wingdings" panose="05000000000000000000" pitchFamily="2" charset="2"/>
+              <a:buChar char="q"/>
+            </a:pPr>
+            <a:r>
+              <a:rPr lang="pt-PT" dirty="0"/>
+              <a:t>Nas consultas impedir o registo e alterar a data da consulta para o passado</a:t>
+            </a:r>
+          </a:p>
+          <a:p>
+            <a:pPr marL="285750" indent="-285750">
+              <a:buFont typeface="Wingdings" panose="05000000000000000000" pitchFamily="2" charset="2"/>
+              <a:buChar char="q"/>
+            </a:pPr>
+            <a:r>
+              <a:rPr lang="pt-PT" dirty="0"/>
+              <a:t>Talvez acrescentar um atributo para o valor da consulta</a:t>
+            </a:r>
+          </a:p>
+          <a:p>
+            <a:pPr marL="285750" indent="-285750">
+              <a:buFont typeface="Wingdings" panose="05000000000000000000" pitchFamily="2" charset="2"/>
+              <a:buChar char="q"/>
+            </a:pPr>
+            <a:endParaRPr lang="pt-PT" dirty="0"/>
+          </a:p>
+          <a:p>
+            <a:pPr marL="285750" indent="-285750">
+              <a:buFont typeface="Wingdings" panose="05000000000000000000" pitchFamily="2" charset="2"/>
+              <a:buChar char="q"/>
+            </a:pPr>
+            <a:endParaRPr lang="pt-PT" dirty="0"/>
+          </a:p>
+        </p:txBody>
+      </p:sp>
+    </p:spTree>
+    <p:extLst>
+      <p:ext uri="{BB962C8B-B14F-4D97-AF65-F5344CB8AC3E}">
+        <p14:creationId xmlns:p14="http://schemas.microsoft.com/office/powerpoint/2010/main" val="2756472571"/>
       </p:ext>
     </p:extLst>
   </p:cSld>
@@ -6389,10 +7845,10 @@
       </p:sp>
       <p:pic>
         <p:nvPicPr>
-          <p:cNvPr id="7" name="Imagem 6">
+          <p:cNvPr id="5" name="Imagem 4">
             <a:extLst>
               <a:ext uri="{FF2B5EF4-FFF2-40B4-BE49-F238E27FC236}">
-                <a16:creationId xmlns:a16="http://schemas.microsoft.com/office/drawing/2014/main" id="{0980DE27-4287-439C-9F1A-1434C6F097A2}"/>
+                <a16:creationId xmlns:a16="http://schemas.microsoft.com/office/drawing/2014/main" id="{0FF2E257-8C47-44B1-8872-088C46ABEE78}"/>
               </a:ext>
             </a:extLst>
           </p:cNvPr>
@@ -6415,8 +7871,8 @@
         </p:blipFill>
         <p:spPr>
           <a:xfrm>
-            <a:off x="4657373" y="876300"/>
-            <a:ext cx="4820002" cy="5847424"/>
+            <a:off x="4603374" y="886407"/>
+            <a:ext cx="4937931" cy="5906278"/>
           </a:xfrm>
           <a:prstGeom prst="rect">
             <a:avLst/>
@@ -6455,10 +7911,10 @@
       </p:grpSpPr>
       <p:pic>
         <p:nvPicPr>
-          <p:cNvPr id="6" name="Imagem 5" descr="Uma imagem com captura de ecrã&#10;&#10;Descrição gerada automaticamente">
+          <p:cNvPr id="5" name="Imagem 4" descr="Uma imagem com captura de ecrã&#10;&#10;Descrição gerada automaticamente">
             <a:extLst>
               <a:ext uri="{FF2B5EF4-FFF2-40B4-BE49-F238E27FC236}">
-                <a16:creationId xmlns:a16="http://schemas.microsoft.com/office/drawing/2014/main" id="{F9F872D6-A3A1-4042-BF15-993BB954A54E}"/>
+                <a16:creationId xmlns:a16="http://schemas.microsoft.com/office/drawing/2014/main" id="{3C533CEA-7D63-44FB-B090-2BA665D282BF}"/>
               </a:ext>
             </a:extLst>
           </p:cNvPr>
@@ -6481,8 +7937,8 @@
         </p:blipFill>
         <p:spPr>
           <a:xfrm>
-            <a:off x="3295650" y="951245"/>
-            <a:ext cx="8814166" cy="5799921"/>
+            <a:off x="3152775" y="841612"/>
+            <a:ext cx="8896350" cy="5857165"/>
           </a:xfrm>
           <a:prstGeom prst="rect">
             <a:avLst/>
@@ -6507,7 +7963,7 @@
         </p:nvSpPr>
         <p:spPr>
           <a:xfrm>
-            <a:off x="677334" y="609600"/>
+            <a:off x="677334" y="471098"/>
             <a:ext cx="8596668" cy="741028"/>
           </a:xfrm>
         </p:spPr>
@@ -6695,10 +8151,10 @@
       </p:sp>
       <p:pic>
         <p:nvPicPr>
-          <p:cNvPr id="10" name="Imagem 9">
+          <p:cNvPr id="5" name="Imagem 4">
             <a:extLst>
               <a:ext uri="{FF2B5EF4-FFF2-40B4-BE49-F238E27FC236}">
-                <a16:creationId xmlns:a16="http://schemas.microsoft.com/office/drawing/2014/main" id="{6CB5730C-F3EE-459A-93B2-B181E3EA72C4}"/>
+                <a16:creationId xmlns:a16="http://schemas.microsoft.com/office/drawing/2014/main" id="{AF2ADA34-706D-4FD3-815B-742B529C775C}"/>
               </a:ext>
             </a:extLst>
           </p:cNvPr>
@@ -6721,8 +8177,8 @@
         </p:blipFill>
         <p:spPr>
           <a:xfrm>
-            <a:off x="3033712" y="1195387"/>
-            <a:ext cx="6765639" cy="5319713"/>
+            <a:off x="3114674" y="1350628"/>
+            <a:ext cx="6853013" cy="5386074"/>
           </a:xfrm>
           <a:prstGeom prst="rect">
             <a:avLst/>
@@ -6780,7 +8236,10 @@
           <a:bodyPr/>
           <a:lstStyle/>
           <a:p>
-            <a:endParaRPr lang="pt-PT"/>
+            <a:r>
+              <a:rPr lang="pt-PT" dirty="0"/>
+              <a:t>Tecnologias</a:t>
+            </a:r>
           </a:p>
         </p:txBody>
       </p:sp>
@@ -6800,12 +8259,241 @@
             <p:ph idx="1"/>
           </p:nvPr>
         </p:nvSpPr>
-        <p:spPr/>
+        <p:spPr>
+          <a:xfrm>
+            <a:off x="677333" y="2160589"/>
+            <a:ext cx="9526209" cy="4248600"/>
+          </a:xfrm>
+        </p:spPr>
         <p:txBody>
           <a:bodyPr/>
           <a:lstStyle/>
           <a:p>
-            <a:endParaRPr lang="pt-PT"/>
+            <a:r>
+              <a:rPr lang="pt-PT" dirty="0"/>
+              <a:t>IDE: Eclipse IDE for </a:t>
+            </a:r>
+            <a:r>
+              <a:rPr lang="pt-PT" dirty="0" err="1"/>
+              <a:t>Enterprise</a:t>
+            </a:r>
+            <a:r>
+              <a:rPr lang="pt-PT" dirty="0"/>
+              <a:t> Java </a:t>
+            </a:r>
+            <a:r>
+              <a:rPr lang="pt-PT" dirty="0" err="1"/>
+              <a:t>Developers</a:t>
+            </a:r>
+            <a:r>
+              <a:rPr lang="pt-PT" dirty="0"/>
+              <a:t> «2019-09 R (4.13.0)»</a:t>
+            </a:r>
+          </a:p>
+          <a:p>
+            <a:r>
+              <a:rPr lang="pt-PT" dirty="0" err="1"/>
+              <a:t>Maven</a:t>
+            </a:r>
+            <a:r>
+              <a:rPr lang="pt-PT" dirty="0"/>
+              <a:t> – Gerenciador e construtor de projetos</a:t>
+            </a:r>
+          </a:p>
+          <a:p>
+            <a:r>
+              <a:rPr lang="pt-PT" dirty="0" err="1"/>
+              <a:t>JavaServer</a:t>
+            </a:r>
+            <a:r>
+              <a:rPr lang="pt-PT" dirty="0"/>
+              <a:t> Faces (JSF) «2.4.0» - desenho de IU (interface de usuário)</a:t>
+            </a:r>
+          </a:p>
+          <a:p>
+            <a:r>
+              <a:rPr lang="pt-PT" dirty="0" err="1"/>
+              <a:t>PrimeFaces</a:t>
+            </a:r>
+            <a:r>
+              <a:rPr lang="pt-PT" dirty="0"/>
+              <a:t> – IU </a:t>
+            </a:r>
+            <a:r>
+              <a:rPr lang="pt-PT" dirty="0" err="1"/>
+              <a:t>library</a:t>
+            </a:r>
+            <a:r>
+              <a:rPr lang="pt-PT" dirty="0"/>
+              <a:t> </a:t>
+            </a:r>
+            <a:r>
+              <a:rPr lang="pt-PT" sz="1200" dirty="0">
+                <a:solidFill>
+                  <a:schemeClr val="tx1"/>
+                </a:solidFill>
+                <a:hlinkClick r:id="rId2">
+                  <a:extLst>
+                    <a:ext uri="{A12FA001-AC4F-418D-AE19-62706E023703}">
+                      <ahyp:hlinkClr xmlns:ahyp="http://schemas.microsoft.com/office/drawing/2018/hyperlinkcolor" val="tx"/>
+                    </a:ext>
+                  </a:extLst>
+                </a:hlinkClick>
+              </a:rPr>
+              <a:t>https://www.primefaces.org/showcase/</a:t>
+            </a:r>
+            <a:endParaRPr lang="pt-PT" sz="1200" dirty="0">
+              <a:solidFill>
+                <a:schemeClr val="tx1"/>
+              </a:solidFill>
+            </a:endParaRPr>
+          </a:p>
+          <a:p>
+            <a:r>
+              <a:rPr lang="pt-PT" dirty="0" err="1"/>
+              <a:t>BootsFaces</a:t>
+            </a:r>
+            <a:r>
+              <a:rPr lang="pt-PT" dirty="0"/>
+              <a:t> – IU </a:t>
+            </a:r>
+            <a:r>
+              <a:rPr lang="pt-PT" dirty="0" err="1"/>
+              <a:t>library</a:t>
+            </a:r>
+            <a:r>
+              <a:rPr lang="pt-PT" dirty="0"/>
+              <a:t> – O </a:t>
+            </a:r>
+            <a:r>
+              <a:rPr lang="pt-PT" dirty="0" err="1"/>
+              <a:t>Bootstrap</a:t>
+            </a:r>
+            <a:r>
+              <a:rPr lang="pt-PT" dirty="0"/>
+              <a:t> para JSF </a:t>
+            </a:r>
+            <a:r>
+              <a:rPr lang="pt-PT" sz="1200" dirty="0">
+                <a:solidFill>
+                  <a:schemeClr val="tx1"/>
+                </a:solidFill>
+                <a:hlinkClick r:id="rId3">
+                  <a:extLst>
+                    <a:ext uri="{A12FA001-AC4F-418D-AE19-62706E023703}">
+                      <ahyp:hlinkClr xmlns:ahyp="http://schemas.microsoft.com/office/drawing/2018/hyperlinkcolor" val="tx"/>
+                    </a:ext>
+                  </a:extLst>
+                </a:hlinkClick>
+              </a:rPr>
+              <a:t>https://showcase.bootsfaces.net/</a:t>
+            </a:r>
+            <a:endParaRPr lang="pt-PT" sz="1200" dirty="0">
+              <a:solidFill>
+                <a:schemeClr val="tx1"/>
+              </a:solidFill>
+            </a:endParaRPr>
+          </a:p>
+          <a:p>
+            <a:r>
+              <a:rPr lang="pt-PT" dirty="0"/>
+              <a:t>JDBC «4.2», conector </a:t>
+            </a:r>
+            <a:r>
+              <a:rPr lang="pt-PT" dirty="0" err="1"/>
+              <a:t>MySql</a:t>
+            </a:r>
+            <a:r>
+              <a:rPr lang="pt-PT" dirty="0"/>
+              <a:t> «</a:t>
+            </a:r>
+            <a:r>
+              <a:rPr lang="pt-PT" dirty="0" err="1"/>
+              <a:t>mysql</a:t>
+            </a:r>
+            <a:r>
+              <a:rPr lang="pt-PT" dirty="0"/>
+              <a:t>-</a:t>
+            </a:r>
+            <a:r>
+              <a:rPr lang="pt-PT" dirty="0" err="1"/>
+              <a:t>connector</a:t>
+            </a:r>
+            <a:r>
+              <a:rPr lang="pt-PT" dirty="0"/>
+              <a:t>-java 8.0.18» – Ligação à base de dados </a:t>
+            </a:r>
+          </a:p>
+          <a:p>
+            <a:r>
+              <a:rPr lang="pt-PT" dirty="0" err="1"/>
+              <a:t>Hibernate</a:t>
+            </a:r>
+            <a:r>
+              <a:rPr lang="pt-PT" dirty="0"/>
+              <a:t> e Java </a:t>
+            </a:r>
+            <a:r>
+              <a:rPr lang="pt-PT" dirty="0" err="1"/>
+              <a:t>Persistence</a:t>
+            </a:r>
+            <a:r>
+              <a:rPr lang="pt-PT" dirty="0"/>
+              <a:t> API (JPA) «2.0»</a:t>
+            </a:r>
+          </a:p>
+          <a:p>
+            <a:r>
+              <a:rPr lang="pt-PT" dirty="0" err="1"/>
+              <a:t>Contexts</a:t>
+            </a:r>
+            <a:r>
+              <a:rPr lang="pt-PT" dirty="0"/>
+              <a:t> </a:t>
+            </a:r>
+            <a:r>
+              <a:rPr lang="pt-PT" dirty="0" err="1"/>
+              <a:t>and</a:t>
+            </a:r>
+            <a:r>
+              <a:rPr lang="pt-PT" dirty="0"/>
+              <a:t> </a:t>
+            </a:r>
+            <a:r>
+              <a:rPr lang="pt-PT" dirty="0" err="1"/>
+              <a:t>Dependency</a:t>
+            </a:r>
+            <a:r>
+              <a:rPr lang="pt-PT" dirty="0"/>
+              <a:t> </a:t>
+            </a:r>
+            <a:r>
+              <a:rPr lang="pt-PT" dirty="0" err="1"/>
+              <a:t>Injection</a:t>
+            </a:r>
+            <a:r>
+              <a:rPr lang="pt-PT" dirty="0"/>
+              <a:t> (CDI) «2.0»</a:t>
+            </a:r>
+          </a:p>
+          <a:p>
+            <a:r>
+              <a:rPr lang="pt-PT" dirty="0" err="1"/>
+              <a:t>WildFly</a:t>
+            </a:r>
+            <a:r>
+              <a:rPr lang="pt-PT" dirty="0"/>
+              <a:t> «18.0» Servidor de aplicação de código fonte aberto</a:t>
+            </a:r>
+          </a:p>
+          <a:p>
+            <a:r>
+              <a:rPr lang="pt-PT" dirty="0"/>
+              <a:t>JDK 12.0.2</a:t>
+            </a:r>
+          </a:p>
+          <a:p>
+            <a:endParaRPr lang="pt-PT" dirty="0"/>
           </a:p>
         </p:txBody>
       </p:sp>
@@ -6813,6 +8501,1214 @@
     <p:extLst>
       <p:ext uri="{BB962C8B-B14F-4D97-AF65-F5344CB8AC3E}">
         <p14:creationId xmlns:p14="http://schemas.microsoft.com/office/powerpoint/2010/main" val="1719718680"/>
+      </p:ext>
+    </p:extLst>
+  </p:cSld>
+  <p:clrMapOvr>
+    <a:masterClrMapping/>
+  </p:clrMapOvr>
+</p:sld>
+</file>
+
+<file path=ppt/slides/slide8.xml><?xml version="1.0" encoding="utf-8"?>
+<p:sld xmlns:a="http://schemas.openxmlformats.org/drawingml/2006/main" xmlns:r="http://schemas.openxmlformats.org/officeDocument/2006/relationships" xmlns:p="http://schemas.openxmlformats.org/presentationml/2006/main">
+  <p:cSld>
+    <p:spTree>
+      <p:nvGrpSpPr>
+        <p:cNvPr id="1" name=""/>
+        <p:cNvGrpSpPr/>
+        <p:nvPr/>
+      </p:nvGrpSpPr>
+      <p:grpSpPr>
+        <a:xfrm>
+          <a:off x="0" y="0"/>
+          <a:ext cx="0" cy="0"/>
+          <a:chOff x="0" y="0"/>
+          <a:chExt cx="0" cy="0"/>
+        </a:xfrm>
+      </p:grpSpPr>
+      <p:sp>
+        <p:nvSpPr>
+          <p:cNvPr id="2" name="Título 1">
+            <a:extLst>
+              <a:ext uri="{FF2B5EF4-FFF2-40B4-BE49-F238E27FC236}">
+                <a16:creationId xmlns:a16="http://schemas.microsoft.com/office/drawing/2014/main" id="{0F758686-FC44-4C71-A9B2-FD34B60EF0B8}"/>
+              </a:ext>
+            </a:extLst>
+          </p:cNvPr>
+          <p:cNvSpPr>
+            <a:spLocks noGrp="1"/>
+          </p:cNvSpPr>
+          <p:nvPr>
+            <p:ph type="title"/>
+          </p:nvPr>
+        </p:nvSpPr>
+        <p:spPr>
+          <a:xfrm>
+            <a:off x="677334" y="609600"/>
+            <a:ext cx="4758732" cy="658169"/>
+          </a:xfrm>
+        </p:spPr>
+        <p:txBody>
+          <a:bodyPr>
+            <a:normAutofit fontScale="90000"/>
+          </a:bodyPr>
+          <a:lstStyle/>
+          <a:p>
+            <a:r>
+              <a:rPr lang="pt-PT" dirty="0"/>
+              <a:t>Base de dados</a:t>
+            </a:r>
+            <a:br>
+              <a:rPr lang="pt-PT" dirty="0"/>
+            </a:br>
+            <a:endParaRPr lang="pt-PT" dirty="0"/>
+          </a:p>
+        </p:txBody>
+      </p:sp>
+      <p:sp>
+        <p:nvSpPr>
+          <p:cNvPr id="3" name="Marcador de Posição de Conteúdo 2">
+            <a:extLst>
+              <a:ext uri="{FF2B5EF4-FFF2-40B4-BE49-F238E27FC236}">
+                <a16:creationId xmlns:a16="http://schemas.microsoft.com/office/drawing/2014/main" id="{35D3B08D-84C6-4BEF-B95B-633E282631AE}"/>
+              </a:ext>
+            </a:extLst>
+          </p:cNvPr>
+          <p:cNvSpPr>
+            <a:spLocks noGrp="1"/>
+          </p:cNvSpPr>
+          <p:nvPr>
+            <p:ph idx="1"/>
+          </p:nvPr>
+        </p:nvSpPr>
+        <p:spPr>
+          <a:xfrm>
+            <a:off x="615980" y="1565049"/>
+            <a:ext cx="3194870" cy="369332"/>
+          </a:xfrm>
+        </p:spPr>
+        <p:txBody>
+          <a:bodyPr/>
+          <a:lstStyle/>
+          <a:p>
+            <a:r>
+              <a:rPr lang="pt-PT" dirty="0"/>
+              <a:t>Ligação e estrutura</a:t>
+            </a:r>
+          </a:p>
+        </p:txBody>
+      </p:sp>
+      <p:pic>
+        <p:nvPicPr>
+          <p:cNvPr id="4" name="Imagem 3">
+            <a:extLst>
+              <a:ext uri="{FF2B5EF4-FFF2-40B4-BE49-F238E27FC236}">
+                <a16:creationId xmlns:a16="http://schemas.microsoft.com/office/drawing/2014/main" id="{68DED122-6902-4649-AE3C-AA19C7B813F5}"/>
+              </a:ext>
+            </a:extLst>
+          </p:cNvPr>
+          <p:cNvPicPr>
+            <a:picLocks noChangeAspect="1"/>
+          </p:cNvPicPr>
+          <p:nvPr/>
+        </p:nvPicPr>
+        <p:blipFill>
+          <a:blip r:embed="rId2"/>
+          <a:stretch>
+            <a:fillRect/>
+          </a:stretch>
+        </p:blipFill>
+        <p:spPr>
+          <a:xfrm>
+            <a:off x="6937038" y="355601"/>
+            <a:ext cx="4673927" cy="4057818"/>
+          </a:xfrm>
+          <a:prstGeom prst="rect">
+            <a:avLst/>
+          </a:prstGeom>
+        </p:spPr>
+      </p:pic>
+      <p:sp>
+        <p:nvSpPr>
+          <p:cNvPr id="5" name="CaixaDeTexto 4">
+            <a:extLst>
+              <a:ext uri="{FF2B5EF4-FFF2-40B4-BE49-F238E27FC236}">
+                <a16:creationId xmlns:a16="http://schemas.microsoft.com/office/drawing/2014/main" id="{7E106B19-03BF-4A83-A84D-E76E3EFA8615}"/>
+              </a:ext>
+            </a:extLst>
+          </p:cNvPr>
+          <p:cNvSpPr txBox="1"/>
+          <p:nvPr/>
+        </p:nvSpPr>
+        <p:spPr>
+          <a:xfrm>
+            <a:off x="10154837" y="572565"/>
+            <a:ext cx="534057" cy="369332"/>
+          </a:xfrm>
+          <a:prstGeom prst="rect">
+            <a:avLst/>
+          </a:prstGeom>
+          <a:noFill/>
+        </p:spPr>
+        <p:txBody>
+          <a:bodyPr wrap="none" rtlCol="0">
+            <a:spAutoFit/>
+          </a:bodyPr>
+          <a:lstStyle/>
+          <a:p>
+            <a:r>
+              <a:rPr lang="pt-PT" dirty="0"/>
+              <a:t>JPA</a:t>
+            </a:r>
+          </a:p>
+        </p:txBody>
+      </p:sp>
+      <p:sp>
+        <p:nvSpPr>
+          <p:cNvPr id="6" name="CaixaDeTexto 5">
+            <a:extLst>
+              <a:ext uri="{FF2B5EF4-FFF2-40B4-BE49-F238E27FC236}">
+                <a16:creationId xmlns:a16="http://schemas.microsoft.com/office/drawing/2014/main" id="{5303A109-2A19-4B2A-8EB6-ED08B4C275C6}"/>
+              </a:ext>
+            </a:extLst>
+          </p:cNvPr>
+          <p:cNvSpPr txBox="1"/>
+          <p:nvPr/>
+        </p:nvSpPr>
+        <p:spPr>
+          <a:xfrm>
+            <a:off x="10421866" y="1560598"/>
+            <a:ext cx="704039" cy="369332"/>
+          </a:xfrm>
+          <a:prstGeom prst="rect">
+            <a:avLst/>
+          </a:prstGeom>
+          <a:noFill/>
+        </p:spPr>
+        <p:txBody>
+          <a:bodyPr wrap="none" rtlCol="0">
+            <a:spAutoFit/>
+          </a:bodyPr>
+          <a:lstStyle/>
+          <a:p>
+            <a:r>
+              <a:rPr lang="pt-PT" dirty="0"/>
+              <a:t>JDBC</a:t>
+            </a:r>
+          </a:p>
+        </p:txBody>
+      </p:sp>
+      <p:cxnSp>
+        <p:nvCxnSpPr>
+          <p:cNvPr id="9" name="Conexão reta unidirecional 8">
+            <a:extLst>
+              <a:ext uri="{FF2B5EF4-FFF2-40B4-BE49-F238E27FC236}">
+                <a16:creationId xmlns:a16="http://schemas.microsoft.com/office/drawing/2014/main" id="{6F323A01-B82F-4544-AE8D-BA1D7785E281}"/>
+              </a:ext>
+            </a:extLst>
+          </p:cNvPr>
+          <p:cNvCxnSpPr>
+            <a:cxnSpLocks/>
+          </p:cNvCxnSpPr>
+          <p:nvPr/>
+        </p:nvCxnSpPr>
+        <p:spPr>
+          <a:xfrm>
+            <a:off x="2877424" y="2676088"/>
+            <a:ext cx="4328719" cy="1286259"/>
+          </a:xfrm>
+          <a:prstGeom prst="straightConnector1">
+            <a:avLst/>
+          </a:prstGeom>
+          <a:ln>
+            <a:tailEnd type="triangle"/>
+          </a:ln>
+        </p:spPr>
+        <p:style>
+          <a:lnRef idx="1">
+            <a:schemeClr val="accent1"/>
+          </a:lnRef>
+          <a:fillRef idx="0">
+            <a:schemeClr val="accent1"/>
+          </a:fillRef>
+          <a:effectRef idx="0">
+            <a:schemeClr val="accent1"/>
+          </a:effectRef>
+          <a:fontRef idx="minor">
+            <a:schemeClr val="tx1"/>
+          </a:fontRef>
+        </p:style>
+      </p:cxnSp>
+      <p:sp>
+        <p:nvSpPr>
+          <p:cNvPr id="7" name="CaixaDeTexto 6">
+            <a:extLst>
+              <a:ext uri="{FF2B5EF4-FFF2-40B4-BE49-F238E27FC236}">
+                <a16:creationId xmlns:a16="http://schemas.microsoft.com/office/drawing/2014/main" id="{9B913D4B-348B-477A-8346-8167AC4FFFD7}"/>
+              </a:ext>
+            </a:extLst>
+          </p:cNvPr>
+          <p:cNvSpPr txBox="1"/>
+          <p:nvPr/>
+        </p:nvSpPr>
+        <p:spPr>
+          <a:xfrm>
+            <a:off x="563315" y="2265303"/>
+            <a:ext cx="6006773" cy="830997"/>
+          </a:xfrm>
+          <a:prstGeom prst="rect">
+            <a:avLst/>
+          </a:prstGeom>
+          <a:noFill/>
+        </p:spPr>
+        <p:txBody>
+          <a:bodyPr wrap="none" rtlCol="0">
+            <a:spAutoFit/>
+          </a:bodyPr>
+          <a:lstStyle/>
+          <a:p>
+            <a:r>
+              <a:rPr lang="pt-PT" sz="1200" dirty="0"/>
+              <a:t>O </a:t>
+            </a:r>
+            <a:r>
+              <a:rPr lang="pt-PT" sz="1200" dirty="0" err="1"/>
+              <a:t>Hibernate</a:t>
+            </a:r>
+            <a:r>
+              <a:rPr lang="pt-PT" sz="1200" dirty="0"/>
+              <a:t> </a:t>
+            </a:r>
+            <a:r>
+              <a:rPr lang="pt-PT" sz="1200" b="1" i="1" dirty="0"/>
+              <a:t>mapeia as classes e cria/atualiza </a:t>
+            </a:r>
+            <a:r>
+              <a:rPr lang="pt-PT" sz="1200" dirty="0"/>
+              <a:t>a estrutura das tabelas </a:t>
+            </a:r>
+            <a:br>
+              <a:rPr lang="pt-PT" sz="1200" dirty="0"/>
+            </a:br>
+            <a:r>
+              <a:rPr lang="pt-PT" sz="1200" dirty="0"/>
+              <a:t>na base de dados valor “</a:t>
+            </a:r>
+            <a:r>
+              <a:rPr lang="pt-PT" sz="1200" b="1" i="1" dirty="0" err="1"/>
+              <a:t>update</a:t>
+            </a:r>
+            <a:r>
+              <a:rPr lang="pt-PT" sz="1200" dirty="0"/>
+              <a:t>” habilita esta função mas não cria a Base de Dados.</a:t>
+            </a:r>
+            <a:br>
+              <a:rPr lang="pt-PT" sz="1200" dirty="0"/>
+            </a:br>
+            <a:endParaRPr lang="pt-PT" sz="1200" dirty="0"/>
+          </a:p>
+          <a:p>
+            <a:r>
+              <a:rPr lang="pt-PT" sz="1200" dirty="0"/>
+              <a:t>OBS. O valor “</a:t>
+            </a:r>
+            <a:r>
+              <a:rPr lang="pt-PT" sz="1200" b="1" i="1" dirty="0" err="1"/>
+              <a:t>create</a:t>
+            </a:r>
+            <a:r>
+              <a:rPr lang="pt-PT" sz="1200" dirty="0"/>
+              <a:t>” cria a base de dados, mas destrói a Base de Dados. </a:t>
+            </a:r>
+          </a:p>
+        </p:txBody>
+      </p:sp>
+      <p:cxnSp>
+        <p:nvCxnSpPr>
+          <p:cNvPr id="12" name="Conexão reta unidirecional 11">
+            <a:extLst>
+              <a:ext uri="{FF2B5EF4-FFF2-40B4-BE49-F238E27FC236}">
+                <a16:creationId xmlns:a16="http://schemas.microsoft.com/office/drawing/2014/main" id="{9747F4F6-C479-48FB-B6B7-400FADAAFCBF}"/>
+              </a:ext>
+            </a:extLst>
+          </p:cNvPr>
+          <p:cNvCxnSpPr>
+            <a:cxnSpLocks/>
+            <a:stCxn id="5" idx="2"/>
+          </p:cNvCxnSpPr>
+          <p:nvPr/>
+        </p:nvCxnSpPr>
+        <p:spPr>
+          <a:xfrm flipH="1">
+            <a:off x="9722126" y="941897"/>
+            <a:ext cx="699740" cy="365760"/>
+          </a:xfrm>
+          <a:prstGeom prst="straightConnector1">
+            <a:avLst/>
+          </a:prstGeom>
+          <a:ln>
+            <a:tailEnd type="triangle"/>
+          </a:ln>
+        </p:spPr>
+        <p:style>
+          <a:lnRef idx="1">
+            <a:schemeClr val="accent1"/>
+          </a:lnRef>
+          <a:fillRef idx="0">
+            <a:schemeClr val="accent1"/>
+          </a:fillRef>
+          <a:effectRef idx="0">
+            <a:schemeClr val="accent1"/>
+          </a:effectRef>
+          <a:fontRef idx="minor">
+            <a:schemeClr val="tx1"/>
+          </a:fontRef>
+        </p:style>
+      </p:cxnSp>
+      <p:cxnSp>
+        <p:nvCxnSpPr>
+          <p:cNvPr id="14" name="Conexão reta unidirecional 13">
+            <a:extLst>
+              <a:ext uri="{FF2B5EF4-FFF2-40B4-BE49-F238E27FC236}">
+                <a16:creationId xmlns:a16="http://schemas.microsoft.com/office/drawing/2014/main" id="{5A5D5F35-FA50-489F-9B64-5CF0FC538D3A}"/>
+              </a:ext>
+            </a:extLst>
+          </p:cNvPr>
+          <p:cNvCxnSpPr>
+            <a:cxnSpLocks/>
+            <a:stCxn id="6" idx="2"/>
+          </p:cNvCxnSpPr>
+          <p:nvPr/>
+        </p:nvCxnSpPr>
+        <p:spPr>
+          <a:xfrm flipH="1">
+            <a:off x="9806732" y="1929930"/>
+            <a:ext cx="967154" cy="746158"/>
+          </a:xfrm>
+          <a:prstGeom prst="straightConnector1">
+            <a:avLst/>
+          </a:prstGeom>
+          <a:ln>
+            <a:tailEnd type="triangle"/>
+          </a:ln>
+        </p:spPr>
+        <p:style>
+          <a:lnRef idx="1">
+            <a:schemeClr val="accent1"/>
+          </a:lnRef>
+          <a:fillRef idx="0">
+            <a:schemeClr val="accent1"/>
+          </a:fillRef>
+          <a:effectRef idx="0">
+            <a:schemeClr val="accent1"/>
+          </a:effectRef>
+          <a:fontRef idx="minor">
+            <a:schemeClr val="tx1"/>
+          </a:fontRef>
+        </p:style>
+      </p:cxnSp>
+      <p:cxnSp>
+        <p:nvCxnSpPr>
+          <p:cNvPr id="16" name="Conexão reta unidirecional 15">
+            <a:extLst>
+              <a:ext uri="{FF2B5EF4-FFF2-40B4-BE49-F238E27FC236}">
+                <a16:creationId xmlns:a16="http://schemas.microsoft.com/office/drawing/2014/main" id="{95C1C8F7-00EA-414E-A573-8C22D094A4FE}"/>
+              </a:ext>
+            </a:extLst>
+          </p:cNvPr>
+          <p:cNvCxnSpPr>
+            <a:cxnSpLocks/>
+          </p:cNvCxnSpPr>
+          <p:nvPr/>
+        </p:nvCxnSpPr>
+        <p:spPr>
+          <a:xfrm flipV="1">
+            <a:off x="3439486" y="2034077"/>
+            <a:ext cx="3615655" cy="231226"/>
+          </a:xfrm>
+          <a:prstGeom prst="straightConnector1">
+            <a:avLst/>
+          </a:prstGeom>
+          <a:ln>
+            <a:tailEnd type="triangle"/>
+          </a:ln>
+        </p:spPr>
+        <p:style>
+          <a:lnRef idx="1">
+            <a:schemeClr val="accent1"/>
+          </a:lnRef>
+          <a:fillRef idx="0">
+            <a:schemeClr val="accent1"/>
+          </a:fillRef>
+          <a:effectRef idx="0">
+            <a:schemeClr val="accent1"/>
+          </a:effectRef>
+          <a:fontRef idx="minor">
+            <a:schemeClr val="tx1"/>
+          </a:fontRef>
+        </p:style>
+      </p:cxnSp>
+      <p:pic>
+        <p:nvPicPr>
+          <p:cNvPr id="20" name="Imagem 19">
+            <a:extLst>
+              <a:ext uri="{FF2B5EF4-FFF2-40B4-BE49-F238E27FC236}">
+                <a16:creationId xmlns:a16="http://schemas.microsoft.com/office/drawing/2014/main" id="{67202AEB-C32B-42E3-ABC0-16C63BC554E3}"/>
+              </a:ext>
+            </a:extLst>
+          </p:cNvPr>
+          <p:cNvPicPr>
+            <a:picLocks noChangeAspect="1"/>
+          </p:cNvPicPr>
+          <p:nvPr/>
+        </p:nvPicPr>
+        <p:blipFill>
+          <a:blip r:embed="rId3"/>
+          <a:stretch>
+            <a:fillRect/>
+          </a:stretch>
+        </p:blipFill>
+        <p:spPr>
+          <a:xfrm>
+            <a:off x="440876" y="4426920"/>
+            <a:ext cx="4192879" cy="2402106"/>
+          </a:xfrm>
+          <a:prstGeom prst="rect">
+            <a:avLst/>
+          </a:prstGeom>
+        </p:spPr>
+      </p:pic>
+      <p:sp>
+        <p:nvSpPr>
+          <p:cNvPr id="21" name="Seta: Para a Direita 20">
+            <a:extLst>
+              <a:ext uri="{FF2B5EF4-FFF2-40B4-BE49-F238E27FC236}">
+                <a16:creationId xmlns:a16="http://schemas.microsoft.com/office/drawing/2014/main" id="{5015B7D7-5839-44C6-8709-CFF2159C6AB4}"/>
+              </a:ext>
+            </a:extLst>
+          </p:cNvPr>
+          <p:cNvSpPr/>
+          <p:nvPr/>
+        </p:nvSpPr>
+        <p:spPr>
+          <a:xfrm>
+            <a:off x="4968747" y="5150840"/>
+            <a:ext cx="1222328" cy="394283"/>
+          </a:xfrm>
+          <a:prstGeom prst="rightArrow">
+            <a:avLst/>
+          </a:prstGeom>
+        </p:spPr>
+        <p:style>
+          <a:lnRef idx="2">
+            <a:schemeClr val="accent1">
+              <a:shade val="50000"/>
+            </a:schemeClr>
+          </a:lnRef>
+          <a:fillRef idx="1">
+            <a:schemeClr val="accent1"/>
+          </a:fillRef>
+          <a:effectRef idx="0">
+            <a:schemeClr val="accent1"/>
+          </a:effectRef>
+          <a:fontRef idx="minor">
+            <a:schemeClr val="lt1"/>
+          </a:fontRef>
+        </p:style>
+        <p:txBody>
+          <a:bodyPr rtlCol="0" anchor="ctr"/>
+          <a:lstStyle/>
+          <a:p>
+            <a:pPr algn="ctr"/>
+            <a:r>
+              <a:rPr lang="pt-PT" dirty="0"/>
+              <a:t>CREATE</a:t>
+            </a:r>
+          </a:p>
+        </p:txBody>
+      </p:sp>
+      <p:pic>
+        <p:nvPicPr>
+          <p:cNvPr id="22" name="Imagem 21">
+            <a:extLst>
+              <a:ext uri="{FF2B5EF4-FFF2-40B4-BE49-F238E27FC236}">
+                <a16:creationId xmlns:a16="http://schemas.microsoft.com/office/drawing/2014/main" id="{EDCF0022-2471-46BB-B5A4-1059EC1F4FFD}"/>
+              </a:ext>
+            </a:extLst>
+          </p:cNvPr>
+          <p:cNvPicPr>
+            <a:picLocks noChangeAspect="1"/>
+          </p:cNvPicPr>
+          <p:nvPr/>
+        </p:nvPicPr>
+        <p:blipFill>
+          <a:blip r:embed="rId4"/>
+          <a:stretch>
+            <a:fillRect/>
+          </a:stretch>
+        </p:blipFill>
+        <p:spPr>
+          <a:xfrm>
+            <a:off x="6346403" y="4464658"/>
+            <a:ext cx="5154904" cy="1936746"/>
+          </a:xfrm>
+          <a:prstGeom prst="rect">
+            <a:avLst/>
+          </a:prstGeom>
+        </p:spPr>
+      </p:pic>
+      <p:pic>
+        <p:nvPicPr>
+          <p:cNvPr id="23" name="Imagem 22">
+            <a:extLst>
+              <a:ext uri="{FF2B5EF4-FFF2-40B4-BE49-F238E27FC236}">
+                <a16:creationId xmlns:a16="http://schemas.microsoft.com/office/drawing/2014/main" id="{92E20D62-7F31-4E3C-A686-CFCC204D9ADF}"/>
+              </a:ext>
+            </a:extLst>
+          </p:cNvPr>
+          <p:cNvPicPr>
+            <a:picLocks noChangeAspect="1"/>
+          </p:cNvPicPr>
+          <p:nvPr/>
+        </p:nvPicPr>
+        <p:blipFill>
+          <a:blip r:embed="rId5"/>
+          <a:stretch>
+            <a:fillRect/>
+          </a:stretch>
+        </p:blipFill>
+        <p:spPr>
+          <a:xfrm>
+            <a:off x="537552" y="3301247"/>
+            <a:ext cx="3297186" cy="900807"/>
+          </a:xfrm>
+          <a:prstGeom prst="rect">
+            <a:avLst/>
+          </a:prstGeom>
+        </p:spPr>
+      </p:pic>
+    </p:spTree>
+    <p:extLst>
+      <p:ext uri="{BB962C8B-B14F-4D97-AF65-F5344CB8AC3E}">
+        <p14:creationId xmlns:p14="http://schemas.microsoft.com/office/powerpoint/2010/main" val="4121928957"/>
+      </p:ext>
+    </p:extLst>
+  </p:cSld>
+  <p:clrMapOvr>
+    <a:masterClrMapping/>
+  </p:clrMapOvr>
+</p:sld>
+</file>
+
+<file path=ppt/slides/slide9.xml><?xml version="1.0" encoding="utf-8"?>
+<p:sld xmlns:a="http://schemas.openxmlformats.org/drawingml/2006/main" xmlns:r="http://schemas.openxmlformats.org/officeDocument/2006/relationships" xmlns:p="http://schemas.openxmlformats.org/presentationml/2006/main">
+  <p:cSld>
+    <p:spTree>
+      <p:nvGrpSpPr>
+        <p:cNvPr id="1" name=""/>
+        <p:cNvGrpSpPr/>
+        <p:nvPr/>
+      </p:nvGrpSpPr>
+      <p:grpSpPr>
+        <a:xfrm>
+          <a:off x="0" y="0"/>
+          <a:ext cx="0" cy="0"/>
+          <a:chOff x="0" y="0"/>
+          <a:chExt cx="0" cy="0"/>
+        </a:xfrm>
+      </p:grpSpPr>
+      <p:sp>
+        <p:nvSpPr>
+          <p:cNvPr id="2" name="Título 1">
+            <a:extLst>
+              <a:ext uri="{FF2B5EF4-FFF2-40B4-BE49-F238E27FC236}">
+                <a16:creationId xmlns:a16="http://schemas.microsoft.com/office/drawing/2014/main" id="{0F758686-FC44-4C71-A9B2-FD34B60EF0B8}"/>
+              </a:ext>
+            </a:extLst>
+          </p:cNvPr>
+          <p:cNvSpPr>
+            <a:spLocks noGrp="1"/>
+          </p:cNvSpPr>
+          <p:nvPr>
+            <p:ph type="title"/>
+          </p:nvPr>
+        </p:nvSpPr>
+        <p:spPr>
+          <a:xfrm>
+            <a:off x="677334" y="609600"/>
+            <a:ext cx="2970935" cy="658169"/>
+          </a:xfrm>
+        </p:spPr>
+        <p:txBody>
+          <a:bodyPr>
+            <a:normAutofit fontScale="90000"/>
+          </a:bodyPr>
+          <a:lstStyle/>
+          <a:p>
+            <a:r>
+              <a:rPr lang="pt-PT" dirty="0"/>
+              <a:t>Base de dados</a:t>
+            </a:r>
+          </a:p>
+        </p:txBody>
+      </p:sp>
+      <p:sp>
+        <p:nvSpPr>
+          <p:cNvPr id="3" name="Marcador de Posição de Conteúdo 2">
+            <a:extLst>
+              <a:ext uri="{FF2B5EF4-FFF2-40B4-BE49-F238E27FC236}">
+                <a16:creationId xmlns:a16="http://schemas.microsoft.com/office/drawing/2014/main" id="{35D3B08D-84C6-4BEF-B95B-633E282631AE}"/>
+              </a:ext>
+            </a:extLst>
+          </p:cNvPr>
+          <p:cNvSpPr>
+            <a:spLocks noGrp="1"/>
+          </p:cNvSpPr>
+          <p:nvPr>
+            <p:ph idx="1"/>
+          </p:nvPr>
+        </p:nvSpPr>
+        <p:spPr>
+          <a:xfrm>
+            <a:off x="615980" y="1565049"/>
+            <a:ext cx="3194870" cy="369332"/>
+          </a:xfrm>
+        </p:spPr>
+        <p:txBody>
+          <a:bodyPr/>
+          <a:lstStyle/>
+          <a:p>
+            <a:r>
+              <a:rPr lang="pt-PT" dirty="0"/>
+              <a:t>CRUD</a:t>
+            </a:r>
+          </a:p>
+        </p:txBody>
+      </p:sp>
+      <p:sp>
+        <p:nvSpPr>
+          <p:cNvPr id="8" name="CaixaDeTexto 7">
+            <a:extLst>
+              <a:ext uri="{FF2B5EF4-FFF2-40B4-BE49-F238E27FC236}">
+                <a16:creationId xmlns:a16="http://schemas.microsoft.com/office/drawing/2014/main" id="{9BAA03AD-ABA4-449C-82EE-68B13ADD6440}"/>
+              </a:ext>
+            </a:extLst>
+          </p:cNvPr>
+          <p:cNvSpPr txBox="1"/>
+          <p:nvPr/>
+        </p:nvSpPr>
+        <p:spPr>
+          <a:xfrm>
+            <a:off x="967986" y="1863023"/>
+            <a:ext cx="5360565" cy="1446550"/>
+          </a:xfrm>
+          <a:prstGeom prst="rect">
+            <a:avLst/>
+          </a:prstGeom>
+          <a:noFill/>
+        </p:spPr>
+        <p:txBody>
+          <a:bodyPr wrap="square" rtlCol="0">
+            <a:spAutoFit/>
+          </a:bodyPr>
+          <a:lstStyle/>
+          <a:p>
+            <a:r>
+              <a:rPr lang="pt-PT" sz="1400" dirty="0"/>
+              <a:t>As instruções são de </a:t>
+            </a:r>
+            <a:r>
+              <a:rPr lang="pt-PT" sz="1400" dirty="0" err="1"/>
+              <a:t>sql</a:t>
+            </a:r>
+            <a:r>
+              <a:rPr lang="pt-PT" sz="1400" dirty="0"/>
+              <a:t> são feitas no PACKAGE “DAO”</a:t>
+            </a:r>
+          </a:p>
+          <a:p>
+            <a:r>
+              <a:rPr lang="pt-PT" sz="1400" dirty="0" err="1"/>
+              <a:t>Exempo</a:t>
+            </a:r>
+            <a:r>
+              <a:rPr lang="pt-PT" sz="1400" dirty="0"/>
+              <a:t> </a:t>
+            </a:r>
+            <a:r>
+              <a:rPr lang="pt-PT" sz="1400" dirty="0" err="1"/>
+              <a:t>class</a:t>
+            </a:r>
+            <a:r>
+              <a:rPr lang="pt-PT" sz="1400" dirty="0"/>
+              <a:t> </a:t>
+            </a:r>
+            <a:r>
+              <a:rPr lang="pt-PT" sz="1400" dirty="0" err="1"/>
+              <a:t>MedicoDAO</a:t>
+            </a:r>
+            <a:endParaRPr lang="pt-PT" sz="1400" dirty="0"/>
+          </a:p>
+          <a:p>
+            <a:r>
+              <a:rPr lang="pt-PT" sz="1200" dirty="0"/>
+              <a:t>+ </a:t>
+            </a:r>
+            <a:r>
+              <a:rPr lang="pt-PT" sz="1200" dirty="0" err="1"/>
+              <a:t>getList</a:t>
+            </a:r>
+            <a:r>
+              <a:rPr lang="pt-PT" sz="1200" dirty="0"/>
+              <a:t>(): </a:t>
+            </a:r>
+            <a:r>
+              <a:rPr lang="pt-PT" sz="1200" dirty="0" err="1"/>
+              <a:t>List</a:t>
+            </a:r>
+            <a:r>
+              <a:rPr lang="pt-PT" sz="1200" dirty="0"/>
+              <a:t>&lt;Medico&gt;</a:t>
+            </a:r>
+            <a:br>
+              <a:rPr lang="pt-PT" sz="1200" dirty="0"/>
+            </a:br>
+            <a:r>
+              <a:rPr lang="pt-PT" sz="1200" dirty="0"/>
+              <a:t>+ </a:t>
+            </a:r>
+            <a:r>
+              <a:rPr lang="pt-PT" sz="1200" dirty="0" err="1"/>
+              <a:t>getMedico</a:t>
+            </a:r>
+            <a:r>
+              <a:rPr lang="pt-PT" sz="1200" dirty="0"/>
+              <a:t>(</a:t>
+            </a:r>
+            <a:r>
+              <a:rPr lang="pt-PT" sz="1200" dirty="0" err="1"/>
+              <a:t>int</a:t>
+            </a:r>
+            <a:r>
+              <a:rPr lang="pt-PT" sz="1200" dirty="0"/>
+              <a:t> id): Medico</a:t>
+            </a:r>
+            <a:br>
+              <a:rPr lang="pt-PT" sz="1200" dirty="0"/>
+            </a:br>
+            <a:r>
+              <a:rPr lang="pt-PT" sz="1200" dirty="0"/>
+              <a:t>+ </a:t>
+            </a:r>
+            <a:r>
+              <a:rPr lang="pt-PT" sz="1200" dirty="0" err="1"/>
+              <a:t>getMedico</a:t>
+            </a:r>
+            <a:r>
+              <a:rPr lang="pt-PT" sz="1200" dirty="0"/>
+              <a:t>(</a:t>
+            </a:r>
+            <a:r>
+              <a:rPr lang="pt-PT" sz="1200" dirty="0" err="1"/>
+              <a:t>String</a:t>
+            </a:r>
+            <a:r>
+              <a:rPr lang="pt-PT" sz="1200" dirty="0"/>
+              <a:t> </a:t>
+            </a:r>
+            <a:r>
+              <a:rPr lang="pt-PT" sz="1200" dirty="0" err="1"/>
+              <a:t>term</a:t>
+            </a:r>
+            <a:r>
+              <a:rPr lang="pt-PT" sz="1200" dirty="0"/>
+              <a:t>): Medico</a:t>
+            </a:r>
+            <a:br>
+              <a:rPr lang="pt-PT" sz="1200" dirty="0"/>
+            </a:br>
+            <a:r>
+              <a:rPr lang="pt-PT" sz="1200" dirty="0"/>
+              <a:t>+ regista(Medico </a:t>
+            </a:r>
+            <a:r>
+              <a:rPr lang="pt-PT" sz="1200" dirty="0" err="1"/>
+              <a:t>medico</a:t>
+            </a:r>
+            <a:r>
+              <a:rPr lang="pt-PT" sz="1200" dirty="0"/>
+              <a:t>): </a:t>
+            </a:r>
+            <a:r>
+              <a:rPr lang="pt-PT" sz="1200" dirty="0" err="1"/>
+              <a:t>Boolean</a:t>
+            </a:r>
+            <a:br>
+              <a:rPr lang="pt-PT" sz="1200" dirty="0"/>
+            </a:br>
+            <a:r>
+              <a:rPr lang="pt-PT" sz="1200" dirty="0"/>
+              <a:t>+ elimina(Medico </a:t>
+            </a:r>
+            <a:r>
+              <a:rPr lang="pt-PT" sz="1200" dirty="0" err="1"/>
+              <a:t>medico</a:t>
+            </a:r>
+            <a:r>
+              <a:rPr lang="pt-PT" sz="1200" dirty="0"/>
+              <a:t>): </a:t>
+            </a:r>
+            <a:r>
+              <a:rPr lang="pt-PT" sz="1200" dirty="0" err="1"/>
+              <a:t>Boolean</a:t>
+            </a:r>
+            <a:endParaRPr lang="pt-PT" sz="1200" dirty="0"/>
+          </a:p>
+        </p:txBody>
+      </p:sp>
+      <p:sp>
+        <p:nvSpPr>
+          <p:cNvPr id="11" name="CaixaDeTexto 10">
+            <a:extLst>
+              <a:ext uri="{FF2B5EF4-FFF2-40B4-BE49-F238E27FC236}">
+                <a16:creationId xmlns:a16="http://schemas.microsoft.com/office/drawing/2014/main" id="{E9F99DF3-B377-4108-9DE2-1208A63F14E1}"/>
+              </a:ext>
+            </a:extLst>
+          </p:cNvPr>
+          <p:cNvSpPr txBox="1"/>
+          <p:nvPr/>
+        </p:nvSpPr>
+        <p:spPr>
+          <a:xfrm>
+            <a:off x="6543669" y="2309627"/>
+            <a:ext cx="5360565" cy="2477601"/>
+          </a:xfrm>
+          <a:prstGeom prst="rect">
+            <a:avLst/>
+          </a:prstGeom>
+        </p:spPr>
+        <p:style>
+          <a:lnRef idx="2">
+            <a:schemeClr val="accent2"/>
+          </a:lnRef>
+          <a:fillRef idx="1">
+            <a:schemeClr val="lt1"/>
+          </a:fillRef>
+          <a:effectRef idx="0">
+            <a:schemeClr val="accent2"/>
+          </a:effectRef>
+          <a:fontRef idx="minor">
+            <a:schemeClr val="dk1"/>
+          </a:fontRef>
+        </p:style>
+        <p:txBody>
+          <a:bodyPr wrap="square" rtlCol="0">
+            <a:spAutoFit/>
+          </a:bodyPr>
+          <a:lstStyle/>
+          <a:p>
+            <a:r>
+              <a:rPr lang="pt-PT" dirty="0"/>
+              <a:t>O </a:t>
+            </a:r>
+            <a:r>
+              <a:rPr lang="pt-PT" dirty="0" err="1"/>
+              <a:t>Hibernate</a:t>
+            </a:r>
+            <a:r>
+              <a:rPr lang="pt-PT" dirty="0"/>
+              <a:t> abstrai o SQL</a:t>
+            </a:r>
+            <a:br>
+              <a:rPr lang="pt-PT" dirty="0"/>
+            </a:br>
+            <a:r>
+              <a:rPr lang="pt-PT" sz="1400" dirty="0"/>
+              <a:t>Pega na instrução e mapeia para o SQL</a:t>
+            </a:r>
+          </a:p>
+          <a:p>
+            <a:pPr algn="r"/>
+            <a:r>
+              <a:rPr lang="pt-PT" sz="1050" dirty="0"/>
+              <a:t>SELECT m.*, e.*</a:t>
+            </a:r>
+            <a:br>
+              <a:rPr lang="pt-PT" sz="1050" dirty="0"/>
+            </a:br>
+            <a:r>
+              <a:rPr lang="pt-PT" sz="1050" dirty="0"/>
+              <a:t>FROM </a:t>
+            </a:r>
+            <a:r>
+              <a:rPr lang="pt-PT" sz="1050" dirty="0" err="1"/>
+              <a:t>medicos</a:t>
+            </a:r>
+            <a:r>
+              <a:rPr lang="pt-PT" sz="1050" dirty="0"/>
+              <a:t> m, especialidade e</a:t>
+            </a:r>
+            <a:br>
+              <a:rPr lang="pt-PT" sz="1050" dirty="0"/>
+            </a:br>
+            <a:r>
+              <a:rPr lang="pt-PT" sz="1050" dirty="0"/>
+              <a:t>WHERE e.id = </a:t>
+            </a:r>
+            <a:r>
+              <a:rPr lang="pt-PT" sz="1050" dirty="0" err="1"/>
+              <a:t>m.FK_id_especialidade</a:t>
+            </a:r>
+            <a:endParaRPr lang="pt-PT" sz="1050" dirty="0"/>
+          </a:p>
+          <a:p>
+            <a:endParaRPr lang="pt-PT" sz="1050" dirty="0"/>
+          </a:p>
+          <a:p>
+            <a:pPr lvl="0"/>
+            <a:r>
+              <a:rPr lang="pt-PT" dirty="0">
+                <a:solidFill>
+                  <a:prstClr val="black"/>
+                </a:solidFill>
+              </a:rPr>
+              <a:t>O JPA abstrai o mapeamento relacional de objetos</a:t>
+            </a:r>
+            <a:br>
+              <a:rPr lang="pt-PT" dirty="0">
+                <a:solidFill>
+                  <a:prstClr val="black"/>
+                </a:solidFill>
+              </a:rPr>
+            </a:br>
+            <a:r>
+              <a:rPr lang="pt-PT" sz="1050" dirty="0">
+                <a:solidFill>
+                  <a:prstClr val="black"/>
+                </a:solidFill>
+              </a:rPr>
+              <a:t>Um objeto Medico relacionasse com um objeto especialidade</a:t>
+            </a:r>
+          </a:p>
+          <a:p>
+            <a:endParaRPr lang="pt-PT" sz="1050" dirty="0"/>
+          </a:p>
+          <a:p>
+            <a:endParaRPr lang="pt-PT" sz="1050" dirty="0"/>
+          </a:p>
+          <a:p>
+            <a:endParaRPr lang="pt-PT" sz="1050" dirty="0"/>
+          </a:p>
+          <a:p>
+            <a:endParaRPr lang="pt-PT" sz="1050" dirty="0"/>
+          </a:p>
+          <a:p>
+            <a:endParaRPr lang="pt-PT" sz="1050" dirty="0"/>
+          </a:p>
+        </p:txBody>
+      </p:sp>
+      <p:pic>
+        <p:nvPicPr>
+          <p:cNvPr id="24" name="Imagem 23">
+            <a:extLst>
+              <a:ext uri="{FF2B5EF4-FFF2-40B4-BE49-F238E27FC236}">
+                <a16:creationId xmlns:a16="http://schemas.microsoft.com/office/drawing/2014/main" id="{88935B78-C700-4D4B-8CCA-15B029BF2951}"/>
+              </a:ext>
+            </a:extLst>
+          </p:cNvPr>
+          <p:cNvPicPr>
+            <a:picLocks noChangeAspect="1"/>
+          </p:cNvPicPr>
+          <p:nvPr/>
+        </p:nvPicPr>
+        <p:blipFill>
+          <a:blip r:embed="rId2"/>
+          <a:stretch>
+            <a:fillRect/>
+          </a:stretch>
+        </p:blipFill>
+        <p:spPr>
+          <a:xfrm>
+            <a:off x="6620883" y="3957049"/>
+            <a:ext cx="3735854" cy="410124"/>
+          </a:xfrm>
+          <a:prstGeom prst="rect">
+            <a:avLst/>
+          </a:prstGeom>
+        </p:spPr>
+      </p:pic>
+      <p:sp>
+        <p:nvSpPr>
+          <p:cNvPr id="25" name="CaixaDeTexto 24">
+            <a:extLst>
+              <a:ext uri="{FF2B5EF4-FFF2-40B4-BE49-F238E27FC236}">
+                <a16:creationId xmlns:a16="http://schemas.microsoft.com/office/drawing/2014/main" id="{4A192DA4-5EAC-4415-842E-A3CC87DF2D66}"/>
+              </a:ext>
+            </a:extLst>
+          </p:cNvPr>
+          <p:cNvSpPr txBox="1"/>
+          <p:nvPr/>
+        </p:nvSpPr>
+        <p:spPr>
+          <a:xfrm>
+            <a:off x="4000053" y="3123065"/>
+            <a:ext cx="1083950" cy="246221"/>
+          </a:xfrm>
+          <a:prstGeom prst="rect">
+            <a:avLst/>
+          </a:prstGeom>
+        </p:spPr>
+        <p:style>
+          <a:lnRef idx="1">
+            <a:schemeClr val="accent6"/>
+          </a:lnRef>
+          <a:fillRef idx="3">
+            <a:schemeClr val="accent6"/>
+          </a:fillRef>
+          <a:effectRef idx="2">
+            <a:schemeClr val="accent6"/>
+          </a:effectRef>
+          <a:fontRef idx="minor">
+            <a:schemeClr val="lt1"/>
+          </a:fontRef>
+        </p:style>
+        <p:txBody>
+          <a:bodyPr wrap="none" rtlCol="0">
+            <a:spAutoFit/>
+          </a:bodyPr>
+          <a:lstStyle/>
+          <a:p>
+            <a:pPr algn="ctr"/>
+            <a:r>
+              <a:rPr lang="pt-PT" sz="1000" dirty="0"/>
+              <a:t>Exemplo de uso</a:t>
+            </a:r>
+          </a:p>
+        </p:txBody>
+      </p:sp>
+      <p:pic>
+        <p:nvPicPr>
+          <p:cNvPr id="27" name="Imagem 26">
+            <a:extLst>
+              <a:ext uri="{FF2B5EF4-FFF2-40B4-BE49-F238E27FC236}">
+                <a16:creationId xmlns:a16="http://schemas.microsoft.com/office/drawing/2014/main" id="{84F5C9E3-86D9-48A6-BFAF-7906AF99C6DF}"/>
+              </a:ext>
+            </a:extLst>
+          </p:cNvPr>
+          <p:cNvPicPr>
+            <a:picLocks noChangeAspect="1"/>
+          </p:cNvPicPr>
+          <p:nvPr/>
+        </p:nvPicPr>
+        <p:blipFill>
+          <a:blip r:embed="rId3"/>
+          <a:stretch>
+            <a:fillRect/>
+          </a:stretch>
+        </p:blipFill>
+        <p:spPr>
+          <a:xfrm>
+            <a:off x="1234460" y="3429000"/>
+            <a:ext cx="4319052" cy="3340431"/>
+          </a:xfrm>
+          <a:prstGeom prst="rect">
+            <a:avLst/>
+          </a:prstGeom>
+        </p:spPr>
+      </p:pic>
+      <p:sp>
+        <p:nvSpPr>
+          <p:cNvPr id="28" name="CaixaDeTexto 27">
+            <a:extLst>
+              <a:ext uri="{FF2B5EF4-FFF2-40B4-BE49-F238E27FC236}">
+                <a16:creationId xmlns:a16="http://schemas.microsoft.com/office/drawing/2014/main" id="{E289DCDF-03F8-4F19-85C5-F83B4425D0FF}"/>
+              </a:ext>
+            </a:extLst>
+          </p:cNvPr>
+          <p:cNvSpPr txBox="1"/>
+          <p:nvPr/>
+        </p:nvSpPr>
+        <p:spPr>
+          <a:xfrm>
+            <a:off x="4977923" y="5908852"/>
+            <a:ext cx="2701255" cy="276836"/>
+          </a:xfrm>
+          <a:prstGeom prst="rect">
+            <a:avLst/>
+          </a:prstGeom>
+        </p:spPr>
+        <p:style>
+          <a:lnRef idx="1">
+            <a:schemeClr val="accent1"/>
+          </a:lnRef>
+          <a:fillRef idx="2">
+            <a:schemeClr val="accent1"/>
+          </a:fillRef>
+          <a:effectRef idx="1">
+            <a:schemeClr val="accent1"/>
+          </a:effectRef>
+          <a:fontRef idx="minor">
+            <a:schemeClr val="dk1"/>
+          </a:fontRef>
+        </p:style>
+        <p:txBody>
+          <a:bodyPr wrap="square" rtlCol="0">
+            <a:spAutoFit/>
+          </a:bodyPr>
+          <a:lstStyle/>
+          <a:p>
+            <a:pPr algn="ctr"/>
+            <a:r>
+              <a:rPr lang="pt-PT" sz="1200" dirty="0"/>
+              <a:t>Abstração registar/atualizar dados</a:t>
+            </a:r>
+          </a:p>
+        </p:txBody>
+      </p:sp>
+      <p:cxnSp>
+        <p:nvCxnSpPr>
+          <p:cNvPr id="30" name="Conexão reta unidirecional 29">
+            <a:extLst>
+              <a:ext uri="{FF2B5EF4-FFF2-40B4-BE49-F238E27FC236}">
+                <a16:creationId xmlns:a16="http://schemas.microsoft.com/office/drawing/2014/main" id="{05D293B1-B0AA-41BB-8681-A697DB22A371}"/>
+              </a:ext>
+            </a:extLst>
+          </p:cNvPr>
+          <p:cNvCxnSpPr/>
+          <p:nvPr/>
+        </p:nvCxnSpPr>
+        <p:spPr>
+          <a:xfrm>
+            <a:off x="3393986" y="6047270"/>
+            <a:ext cx="1488407" cy="0"/>
+          </a:xfrm>
+          <a:prstGeom prst="straightConnector1">
+            <a:avLst/>
+          </a:prstGeom>
+          <a:ln>
+            <a:tailEnd type="triangle"/>
+          </a:ln>
+        </p:spPr>
+        <p:style>
+          <a:lnRef idx="1">
+            <a:schemeClr val="accent1"/>
+          </a:lnRef>
+          <a:fillRef idx="0">
+            <a:schemeClr val="accent1"/>
+          </a:fillRef>
+          <a:effectRef idx="0">
+            <a:schemeClr val="accent1"/>
+          </a:effectRef>
+          <a:fontRef idx="minor">
+            <a:schemeClr val="tx1"/>
+          </a:fontRef>
+        </p:style>
+      </p:cxnSp>
+    </p:spTree>
+    <p:extLst>
+      <p:ext uri="{BB962C8B-B14F-4D97-AF65-F5344CB8AC3E}">
+        <p14:creationId xmlns:p14="http://schemas.microsoft.com/office/powerpoint/2010/main" val="1879123573"/>
       </p:ext>
     </p:extLst>
   </p:cSld>
